--- a/thesis/WEBBANHANG.pptx
+++ b/thesis/WEBBANHANG.pptx
@@ -15,44 +15,47 @@
     <p:sldId id="268" r:id="rId9"/>
     <p:sldId id="270" r:id="rId10"/>
     <p:sldId id="280" r:id="rId11"/>
-    <p:sldId id="281" r:id="rId12"/>
-    <p:sldId id="267" r:id="rId13"/>
-    <p:sldId id="258" r:id="rId14"/>
+    <p:sldId id="291" r:id="rId12"/>
+    <p:sldId id="293" r:id="rId13"/>
+    <p:sldId id="292" r:id="rId14"/>
+    <p:sldId id="281" r:id="rId15"/>
+    <p:sldId id="267" r:id="rId16"/>
+    <p:sldId id="258" r:id="rId17"/>
   </p:sldIdLst>
   <p:sldSz cx="12192000" cy="6858000"/>
   <p:notesSz cx="6858000" cy="9144000"/>
   <p:embeddedFontLst>
     <p:embeddedFont>
       <p:font typeface="#9Slide02 Noi dung dai" panose="020B0604020202020204" charset="0"/>
-      <p:regular r:id="rId15"/>
+      <p:regular r:id="rId18"/>
     </p:embeddedFont>
     <p:embeddedFont>
       <p:font typeface="#9Slide02 Tieu de dai" panose="020B0604020202020204" charset="0"/>
-      <p:bold r:id="rId16"/>
+      <p:bold r:id="rId19"/>
     </p:embeddedFont>
     <p:embeddedFont>
       <p:font typeface="#9Slide03 Montserrat" panose="020B0604020202020204" charset="0"/>
-      <p:regular r:id="rId17"/>
+      <p:regular r:id="rId20"/>
     </p:embeddedFont>
     <p:embeddedFont>
       <p:font typeface="#9Slide03 Montserrat Black" panose="020B0604020202020204" charset="0"/>
-      <p:bold r:id="rId18"/>
+      <p:bold r:id="rId21"/>
     </p:embeddedFont>
     <p:embeddedFont>
       <p:font typeface="#9Slide03 Montserrat Bold" panose="020B0604020202020204" charset="0"/>
-      <p:bold r:id="rId19"/>
+      <p:bold r:id="rId22"/>
     </p:embeddedFont>
     <p:embeddedFont>
       <p:font typeface="#9Slide03 Montserrat Light" panose="020B0604020202020204" charset="0"/>
-      <p:regular r:id="rId20"/>
+      <p:regular r:id="rId23"/>
     </p:embeddedFont>
     <p:embeddedFont>
       <p:font typeface="#9Slide03 Montserrat Medium" panose="020B0604020202020204" charset="0"/>
-      <p:regular r:id="rId21"/>
+      <p:regular r:id="rId24"/>
     </p:embeddedFont>
     <p:embeddedFont>
       <p:font typeface="#9Slide03 Montserrat SemiBold" panose="020B0604020202020204" charset="0"/>
-      <p:bold r:id="rId22"/>
+      <p:bold r:id="rId25"/>
     </p:embeddedFont>
   </p:embeddedFontLst>
   <p:defaultTextStyle>
@@ -209,7 +212,7 @@
           <a:p>
             <a:fld id="{E69B9EE9-F3BF-4B40-83E7-C9BC68FDDB0E}" type="datetimeFigureOut">
               <a:rPr lang="en-US" smtClean="0"/>
-              <a:t>1/15/2024</a:t>
+              <a:t>1/16/2024</a:t>
             </a:fld>
             <a:endParaRPr lang="en-US"/>
           </a:p>
@@ -362,7 +365,7 @@
           <a:p>
             <a:fld id="{E69B9EE9-F3BF-4B40-83E7-C9BC68FDDB0E}" type="datetimeFigureOut">
               <a:rPr lang="en-US" smtClean="0"/>
-              <a:t>1/15/2024</a:t>
+              <a:t>1/16/2024</a:t>
             </a:fld>
             <a:endParaRPr lang="en-US"/>
           </a:p>
@@ -594,7 +597,7 @@
           <a:p>
             <a:fld id="{E69B9EE9-F3BF-4B40-83E7-C9BC68FDDB0E}" type="datetimeFigureOut">
               <a:rPr lang="en-US" smtClean="0"/>
-              <a:t>1/15/2024</a:t>
+              <a:t>1/16/2024</a:t>
             </a:fld>
             <a:endParaRPr lang="en-US"/>
           </a:p>
@@ -897,7 +900,7 @@
           <a:p>
             <a:fld id="{E69B9EE9-F3BF-4B40-83E7-C9BC68FDDB0E}" type="datetimeFigureOut">
               <a:rPr lang="en-US" smtClean="0"/>
-              <a:t>1/15/2024</a:t>
+              <a:t>1/16/2024</a:t>
             </a:fld>
             <a:endParaRPr lang="en-US"/>
           </a:p>
@@ -1107,7 +1110,7 @@
           <a:p>
             <a:fld id="{E69B9EE9-F3BF-4B40-83E7-C9BC68FDDB0E}" type="datetimeFigureOut">
               <a:rPr lang="en-US" smtClean="0"/>
-              <a:t>1/15/2024</a:t>
+              <a:t>1/16/2024</a:t>
             </a:fld>
             <a:endParaRPr lang="en-US"/>
           </a:p>
@@ -1435,7 +1438,7 @@
           <a:p>
             <a:fld id="{E69B9EE9-F3BF-4B40-83E7-C9BC68FDDB0E}" type="datetimeFigureOut">
               <a:rPr lang="en-US" smtClean="0"/>
-              <a:t>1/15/2024</a:t>
+              <a:t>1/16/2024</a:t>
             </a:fld>
             <a:endParaRPr lang="en-US"/>
           </a:p>
@@ -5234,7 +5237,7 @@
         </p:nvSpPr>
         <p:spPr>
           <a:xfrm>
-            <a:off x="212986" y="6574280"/>
+            <a:off x="228600" y="6570259"/>
             <a:ext cx="2592056" cy="184666"/>
           </a:xfrm>
           <a:prstGeom prst="rect">
@@ -6028,6 +6031,2742 @@
 </file>
 
 <file path=ppt/slides/slide11.xml><?xml version="1.0" encoding="utf-8"?>
+<p:sld xmlns:a="http://schemas.openxmlformats.org/drawingml/2006/main" xmlns:r="http://schemas.openxmlformats.org/officeDocument/2006/relationships" xmlns:p="http://schemas.openxmlformats.org/presentationml/2006/main">
+  <p:cSld>
+    <p:spTree>
+      <p:nvGrpSpPr>
+        <p:cNvPr id="1" name=""/>
+        <p:cNvGrpSpPr/>
+        <p:nvPr/>
+      </p:nvGrpSpPr>
+      <p:grpSpPr>
+        <a:xfrm>
+          <a:off x="0" y="0"/>
+          <a:ext cx="0" cy="0"/>
+          <a:chOff x="0" y="0"/>
+          <a:chExt cx="0" cy="0"/>
+        </a:xfrm>
+      </p:grpSpPr>
+      <p:sp>
+        <p:nvSpPr>
+          <p:cNvPr id="2" name="Title 1">
+            <a:extLst>
+              <a:ext uri="{FF2B5EF4-FFF2-40B4-BE49-F238E27FC236}">
+                <a16:creationId xmlns:a16="http://schemas.microsoft.com/office/drawing/2014/main" id="{9668983D-1BE4-4787-97A2-4977851CE8A3}"/>
+              </a:ext>
+            </a:extLst>
+          </p:cNvPr>
+          <p:cNvSpPr>
+            <a:spLocks noGrp="1"/>
+          </p:cNvSpPr>
+          <p:nvPr>
+            <p:ph type="title"/>
+          </p:nvPr>
+        </p:nvSpPr>
+        <p:spPr>
+          <a:xfrm>
+            <a:off x="914400" y="152400"/>
+            <a:ext cx="10515600" cy="1325563"/>
+          </a:xfrm>
+        </p:spPr>
+        <p:txBody>
+          <a:bodyPr>
+            <a:normAutofit/>
+          </a:bodyPr>
+          <a:lstStyle/>
+          <a:p>
+            <a:r>
+              <a:rPr lang="en-US" dirty="0">
+                <a:latin typeface="Times New Roman" panose="02020603050405020304" pitchFamily="18" charset="0"/>
+                <a:cs typeface="Times New Roman" panose="02020603050405020304" pitchFamily="18" charset="0"/>
+              </a:rPr>
+              <a:t>TỔNG QUAN VỀ CÁC NGÔN NGỮ ĐƯỢC SỬ DỤNG TRONG DỰ ÁN</a:t>
+            </a:r>
+          </a:p>
+        </p:txBody>
+      </p:sp>
+      <p:sp>
+        <p:nvSpPr>
+          <p:cNvPr id="3" name="TextBox 2">
+            <a:extLst>
+              <a:ext uri="{FF2B5EF4-FFF2-40B4-BE49-F238E27FC236}">
+                <a16:creationId xmlns:a16="http://schemas.microsoft.com/office/drawing/2014/main" id="{DAA55126-C904-4995-8F64-96BD8E4BBCA1}"/>
+              </a:ext>
+            </a:extLst>
+          </p:cNvPr>
+          <p:cNvSpPr txBox="1"/>
+          <p:nvPr/>
+        </p:nvSpPr>
+        <p:spPr>
+          <a:xfrm flipH="1">
+            <a:off x="990599" y="1676400"/>
+            <a:ext cx="11201400" cy="2277547"/>
+          </a:xfrm>
+          <a:prstGeom prst="rect">
+            <a:avLst/>
+          </a:prstGeom>
+          <a:noFill/>
+        </p:spPr>
+        <p:txBody>
+          <a:bodyPr wrap="square" lIns="0" tIns="0" rIns="0" bIns="0" rtlCol="0">
+            <a:spAutoFit/>
+          </a:bodyPr>
+          <a:lstStyle/>
+          <a:p>
+            <a:pPr algn="l"/>
+            <a:r>
+              <a:rPr lang="en-US" sz="2400" b="1" i="0" u="none" strike="noStrike" baseline="0" dirty="0" err="1">
+                <a:solidFill>
+                  <a:srgbClr val="000000"/>
+                </a:solidFill>
+                <a:latin typeface="Times New Roman" panose="02020603050405020304" pitchFamily="18" charset="0"/>
+              </a:rPr>
+              <a:t>Giới</a:t>
+            </a:r>
+            <a:r>
+              <a:rPr lang="en-US" sz="2400" b="1" i="0" u="none" strike="noStrike" baseline="0" dirty="0">
+                <a:solidFill>
+                  <a:srgbClr val="000000"/>
+                </a:solidFill>
+                <a:latin typeface="Times New Roman" panose="02020603050405020304" pitchFamily="18" charset="0"/>
+              </a:rPr>
+              <a:t> </a:t>
+            </a:r>
+            <a:r>
+              <a:rPr lang="en-US" sz="2400" b="1" i="0" u="none" strike="noStrike" baseline="0" dirty="0" err="1">
+                <a:solidFill>
+                  <a:srgbClr val="000000"/>
+                </a:solidFill>
+                <a:latin typeface="Times New Roman" panose="02020603050405020304" pitchFamily="18" charset="0"/>
+              </a:rPr>
+              <a:t>thiệu</a:t>
+            </a:r>
+            <a:r>
+              <a:rPr lang="en-US" sz="2400" b="1" i="0" u="none" strike="noStrike" baseline="0" dirty="0">
+                <a:solidFill>
+                  <a:srgbClr val="000000"/>
+                </a:solidFill>
+                <a:latin typeface="Times New Roman" panose="02020603050405020304" pitchFamily="18" charset="0"/>
+              </a:rPr>
+              <a:t> </a:t>
+            </a:r>
+            <a:r>
+              <a:rPr lang="en-US" sz="2400" b="1" i="0" u="none" strike="noStrike" baseline="0" dirty="0" err="1">
+                <a:solidFill>
+                  <a:srgbClr val="000000"/>
+                </a:solidFill>
+                <a:latin typeface="Times New Roman" panose="02020603050405020304" pitchFamily="18" charset="0"/>
+              </a:rPr>
+              <a:t>về</a:t>
+            </a:r>
+            <a:r>
+              <a:rPr lang="en-US" sz="2400" b="1" i="0" u="none" strike="noStrike" baseline="0" dirty="0">
+                <a:solidFill>
+                  <a:srgbClr val="000000"/>
+                </a:solidFill>
+                <a:latin typeface="Times New Roman" panose="02020603050405020304" pitchFamily="18" charset="0"/>
+              </a:rPr>
+              <a:t> HTML: </a:t>
+            </a:r>
+          </a:p>
+          <a:p>
+            <a:pPr algn="l"/>
+            <a:endParaRPr lang="en-US" sz="2400" b="1" i="0" u="none" strike="noStrike" baseline="0" dirty="0">
+              <a:solidFill>
+                <a:srgbClr val="000000"/>
+              </a:solidFill>
+              <a:latin typeface="Times New Roman" panose="02020603050405020304" pitchFamily="18" charset="0"/>
+            </a:endParaRPr>
+          </a:p>
+          <a:p>
+            <a:pPr algn="l"/>
+            <a:r>
+              <a:rPr lang="vi-VN" sz="2000" b="0" i="0" u="none" strike="noStrike" baseline="0" dirty="0">
+                <a:solidFill>
+                  <a:srgbClr val="000000"/>
+                </a:solidFill>
+                <a:latin typeface="Times New Roman" panose="02020603050405020304" pitchFamily="18" charset="0"/>
+              </a:rPr>
+              <a:t>HTML (viết tắt của từ Hypertext Markup Language, hay là "Ngôn ngữ Đánh dấu Siêu văn bản") là một ngôn ngữ đánh dấu được thiết kế ra để tạo nên các trang web trên World Wide Web</a:t>
+            </a:r>
+            <a:r>
+              <a:rPr lang="en-US" sz="2000" b="0" i="0" u="none" strike="noStrike" baseline="0" dirty="0">
+                <a:solidFill>
+                  <a:srgbClr val="000000"/>
+                </a:solidFill>
+                <a:latin typeface="Times New Roman" panose="02020603050405020304" pitchFamily="18" charset="0"/>
+              </a:rPr>
+              <a:t>.</a:t>
+            </a:r>
+            <a:r>
+              <a:rPr lang="en-US" sz="2000" b="1" i="0" u="none" strike="noStrike" baseline="0" dirty="0">
+                <a:solidFill>
+                  <a:srgbClr val="000000"/>
+                </a:solidFill>
+                <a:latin typeface="Times New Roman" panose="02020603050405020304" pitchFamily="18" charset="0"/>
+              </a:rPr>
+              <a:t> </a:t>
+            </a:r>
+            <a:r>
+              <a:rPr lang="vi-VN" sz="2000" b="0" i="0" u="none" strike="noStrike" baseline="0" dirty="0">
+                <a:solidFill>
+                  <a:srgbClr val="000000"/>
+                </a:solidFill>
+                <a:latin typeface="Times New Roman" panose="02020603050405020304" pitchFamily="18" charset="0"/>
+              </a:rPr>
+              <a:t>Nó có thể được trợ giúp bởi các công nghệ như</a:t>
+            </a:r>
+            <a:r>
+              <a:rPr lang="en-US" sz="2000" b="0" i="0" u="none" strike="noStrike" baseline="0" dirty="0">
+                <a:solidFill>
+                  <a:srgbClr val="000000"/>
+                </a:solidFill>
+                <a:latin typeface="Times New Roman" panose="02020603050405020304" pitchFamily="18" charset="0"/>
+              </a:rPr>
+              <a:t> </a:t>
+            </a:r>
+            <a:r>
+              <a:rPr lang="vi-VN" sz="2000" b="0" i="0" u="none" strike="noStrike" baseline="0" dirty="0">
+                <a:solidFill>
+                  <a:srgbClr val="000000"/>
+                </a:solidFill>
+                <a:latin typeface="Times New Roman" panose="02020603050405020304" pitchFamily="18" charset="0"/>
+              </a:rPr>
+              <a:t>CSS và các ngôn ngữ kịch bản giống như JavaScript. Ngôn ngữ HTML dùng các tag hoặc các đoạn mã lệnh để các trình duyệt hiển thị các thành phần của trang như từ ngữ và hình ảnh hay các video để tương tác với người dùng thông qua các thao tác ấn phím và click chuột. </a:t>
+            </a:r>
+            <a:endParaRPr lang="en-US" sz="2000" dirty="0">
+              <a:solidFill>
+                <a:schemeClr val="tx1">
+                  <a:lumMod val="50000"/>
+                  <a:lumOff val="50000"/>
+                </a:schemeClr>
+              </a:solidFill>
+            </a:endParaRPr>
+          </a:p>
+        </p:txBody>
+      </p:sp>
+      <p:sp>
+        <p:nvSpPr>
+          <p:cNvPr id="13" name="TextBox 12">
+            <a:extLst>
+              <a:ext uri="{FF2B5EF4-FFF2-40B4-BE49-F238E27FC236}">
+                <a16:creationId xmlns:a16="http://schemas.microsoft.com/office/drawing/2014/main" id="{766B613A-1D33-467A-8E79-7D18CEFDF85E}"/>
+              </a:ext>
+            </a:extLst>
+          </p:cNvPr>
+          <p:cNvSpPr txBox="1"/>
+          <p:nvPr/>
+        </p:nvSpPr>
+        <p:spPr>
+          <a:xfrm>
+            <a:off x="990599" y="4071681"/>
+            <a:ext cx="8299174" cy="400110"/>
+          </a:xfrm>
+          <a:prstGeom prst="rect">
+            <a:avLst/>
+          </a:prstGeom>
+          <a:noFill/>
+        </p:spPr>
+        <p:txBody>
+          <a:bodyPr wrap="square">
+            <a:spAutoFit/>
+          </a:bodyPr>
+          <a:lstStyle/>
+          <a:p>
+            <a:r>
+              <a:rPr lang="en-US" sz="2000" b="0" i="0" u="none" strike="noStrike" baseline="0" dirty="0">
+                <a:solidFill>
+                  <a:srgbClr val="000000"/>
+                </a:solidFill>
+                <a:latin typeface="Times New Roman" panose="02020603050405020304" pitchFamily="18" charset="0"/>
+              </a:rPr>
+              <a:t>HTML </a:t>
+            </a:r>
+            <a:r>
+              <a:rPr lang="en-US" sz="2000" b="0" i="0" u="none" strike="noStrike" baseline="0" dirty="0" err="1">
+                <a:solidFill>
+                  <a:srgbClr val="000000"/>
+                </a:solidFill>
+                <a:latin typeface="Times New Roman" panose="02020603050405020304" pitchFamily="18" charset="0"/>
+              </a:rPr>
+              <a:t>không</a:t>
+            </a:r>
+            <a:r>
+              <a:rPr lang="en-US" sz="2000" b="0" i="0" u="none" strike="noStrike" baseline="0" dirty="0">
+                <a:solidFill>
+                  <a:srgbClr val="000000"/>
+                </a:solidFill>
+                <a:latin typeface="Times New Roman" panose="02020603050405020304" pitchFamily="18" charset="0"/>
+              </a:rPr>
+              <a:t> </a:t>
+            </a:r>
+            <a:r>
+              <a:rPr lang="en-US" sz="2000" b="0" i="0" u="none" strike="noStrike" baseline="0" dirty="0" err="1">
+                <a:solidFill>
+                  <a:srgbClr val="000000"/>
+                </a:solidFill>
+                <a:latin typeface="Times New Roman" panose="02020603050405020304" pitchFamily="18" charset="0"/>
+              </a:rPr>
+              <a:t>phải</a:t>
+            </a:r>
+            <a:r>
+              <a:rPr lang="en-US" sz="2000" b="0" i="0" u="none" strike="noStrike" baseline="0" dirty="0">
+                <a:solidFill>
+                  <a:srgbClr val="000000"/>
+                </a:solidFill>
+                <a:latin typeface="Times New Roman" panose="02020603050405020304" pitchFamily="18" charset="0"/>
+              </a:rPr>
+              <a:t> </a:t>
+            </a:r>
+            <a:r>
+              <a:rPr lang="en-US" sz="2000" b="0" i="0" u="none" strike="noStrike" baseline="0" dirty="0" err="1">
+                <a:solidFill>
+                  <a:srgbClr val="000000"/>
+                </a:solidFill>
+                <a:latin typeface="Times New Roman" panose="02020603050405020304" pitchFamily="18" charset="0"/>
+              </a:rPr>
+              <a:t>là</a:t>
+            </a:r>
+            <a:r>
+              <a:rPr lang="en-US" sz="2000" b="0" i="0" u="none" strike="noStrike" baseline="0" dirty="0">
+                <a:solidFill>
+                  <a:srgbClr val="000000"/>
+                </a:solidFill>
+                <a:latin typeface="Times New Roman" panose="02020603050405020304" pitchFamily="18" charset="0"/>
+              </a:rPr>
+              <a:t> </a:t>
+            </a:r>
+            <a:r>
+              <a:rPr lang="en-US" sz="2000" b="0" i="0" u="none" strike="noStrike" baseline="0" dirty="0" err="1">
+                <a:solidFill>
+                  <a:srgbClr val="000000"/>
+                </a:solidFill>
+                <a:latin typeface="Times New Roman" panose="02020603050405020304" pitchFamily="18" charset="0"/>
+              </a:rPr>
+              <a:t>ngôn</a:t>
+            </a:r>
+            <a:r>
+              <a:rPr lang="en-US" sz="2000" b="0" i="0" u="none" strike="noStrike" baseline="0" dirty="0">
+                <a:solidFill>
+                  <a:srgbClr val="000000"/>
+                </a:solidFill>
+                <a:latin typeface="Times New Roman" panose="02020603050405020304" pitchFamily="18" charset="0"/>
+              </a:rPr>
+              <a:t> </a:t>
+            </a:r>
+            <a:r>
+              <a:rPr lang="en-US" sz="2000" b="0" i="0" u="none" strike="noStrike" baseline="0" dirty="0" err="1">
+                <a:solidFill>
+                  <a:srgbClr val="000000"/>
+                </a:solidFill>
+                <a:latin typeface="Times New Roman" panose="02020603050405020304" pitchFamily="18" charset="0"/>
+              </a:rPr>
+              <a:t>ngữ</a:t>
+            </a:r>
+            <a:r>
+              <a:rPr lang="en-US" sz="2000" b="0" i="0" u="none" strike="noStrike" baseline="0" dirty="0">
+                <a:solidFill>
+                  <a:srgbClr val="000000"/>
+                </a:solidFill>
+                <a:latin typeface="Times New Roman" panose="02020603050405020304" pitchFamily="18" charset="0"/>
+              </a:rPr>
+              <a:t> </a:t>
+            </a:r>
+            <a:r>
+              <a:rPr lang="en-US" sz="2000" b="0" i="0" u="none" strike="noStrike" baseline="0" dirty="0" err="1">
+                <a:solidFill>
+                  <a:srgbClr val="000000"/>
+                </a:solidFill>
+                <a:latin typeface="Times New Roman" panose="02020603050405020304" pitchFamily="18" charset="0"/>
+              </a:rPr>
+              <a:t>lập</a:t>
+            </a:r>
+            <a:r>
+              <a:rPr lang="en-US" sz="2000" b="0" i="0" u="none" strike="noStrike" baseline="0" dirty="0">
+                <a:solidFill>
+                  <a:srgbClr val="000000"/>
+                </a:solidFill>
+                <a:latin typeface="Times New Roman" panose="02020603050405020304" pitchFamily="18" charset="0"/>
+              </a:rPr>
+              <a:t> </a:t>
+            </a:r>
+            <a:r>
+              <a:rPr lang="en-US" sz="2000" b="0" i="0" u="none" strike="noStrike" baseline="0" dirty="0" err="1">
+                <a:solidFill>
+                  <a:srgbClr val="000000"/>
+                </a:solidFill>
+                <a:latin typeface="Times New Roman" panose="02020603050405020304" pitchFamily="18" charset="0"/>
+              </a:rPr>
+              <a:t>trình</a:t>
+            </a:r>
+            <a:r>
+              <a:rPr lang="en-US" sz="2000" b="0" i="0" u="none" strike="noStrike" baseline="0" dirty="0">
+                <a:solidFill>
+                  <a:srgbClr val="000000"/>
+                </a:solidFill>
+                <a:latin typeface="Times New Roman" panose="02020603050405020304" pitchFamily="18" charset="0"/>
+              </a:rPr>
+              <a:t>, </a:t>
+            </a:r>
+            <a:r>
+              <a:rPr lang="en-US" sz="2000" b="0" i="0" u="none" strike="noStrike" baseline="0" dirty="0" err="1">
+                <a:solidFill>
+                  <a:srgbClr val="000000"/>
+                </a:solidFill>
+                <a:latin typeface="Times New Roman" panose="02020603050405020304" pitchFamily="18" charset="0"/>
+              </a:rPr>
+              <a:t>nó</a:t>
+            </a:r>
+            <a:r>
+              <a:rPr lang="en-US" sz="2000" b="0" i="0" u="none" strike="noStrike" baseline="0" dirty="0">
+                <a:solidFill>
+                  <a:srgbClr val="000000"/>
+                </a:solidFill>
+                <a:latin typeface="Times New Roman" panose="02020603050405020304" pitchFamily="18" charset="0"/>
+              </a:rPr>
+              <a:t> </a:t>
+            </a:r>
+            <a:r>
+              <a:rPr lang="en-US" sz="2000" b="0" i="0" u="none" strike="noStrike" baseline="0" dirty="0" err="1">
+                <a:solidFill>
+                  <a:srgbClr val="000000"/>
+                </a:solidFill>
+                <a:latin typeface="Times New Roman" panose="02020603050405020304" pitchFamily="18" charset="0"/>
+              </a:rPr>
+              <a:t>là</a:t>
+            </a:r>
+            <a:r>
+              <a:rPr lang="en-US" sz="2000" b="0" i="0" u="none" strike="noStrike" baseline="0" dirty="0">
+                <a:solidFill>
+                  <a:srgbClr val="000000"/>
+                </a:solidFill>
+                <a:latin typeface="Times New Roman" panose="02020603050405020304" pitchFamily="18" charset="0"/>
+              </a:rPr>
+              <a:t> </a:t>
+            </a:r>
+            <a:r>
+              <a:rPr lang="en-US" sz="2000" b="0" i="0" u="none" strike="noStrike" baseline="0" dirty="0" err="1">
+                <a:solidFill>
+                  <a:srgbClr val="000000"/>
+                </a:solidFill>
+                <a:latin typeface="Times New Roman" panose="02020603050405020304" pitchFamily="18" charset="0"/>
+              </a:rPr>
+              <a:t>ngôn</a:t>
+            </a:r>
+            <a:r>
+              <a:rPr lang="en-US" sz="2000" b="0" i="0" u="none" strike="noStrike" baseline="0" dirty="0">
+                <a:solidFill>
+                  <a:srgbClr val="000000"/>
+                </a:solidFill>
+                <a:latin typeface="Times New Roman" panose="02020603050405020304" pitchFamily="18" charset="0"/>
+              </a:rPr>
+              <a:t> </a:t>
+            </a:r>
+            <a:r>
+              <a:rPr lang="en-US" sz="2000" b="0" i="0" u="none" strike="noStrike" baseline="0" dirty="0" err="1">
+                <a:solidFill>
+                  <a:srgbClr val="000000"/>
+                </a:solidFill>
+                <a:latin typeface="Times New Roman" panose="02020603050405020304" pitchFamily="18" charset="0"/>
+              </a:rPr>
+              <a:t>ngữ</a:t>
+            </a:r>
+            <a:r>
+              <a:rPr lang="en-US" sz="2000" b="0" i="0" u="none" strike="noStrike" baseline="0" dirty="0">
+                <a:solidFill>
+                  <a:srgbClr val="000000"/>
+                </a:solidFill>
+                <a:latin typeface="Times New Roman" panose="02020603050405020304" pitchFamily="18" charset="0"/>
+              </a:rPr>
+              <a:t> </a:t>
+            </a:r>
+            <a:r>
+              <a:rPr lang="en-US" sz="2000" b="0" i="0" u="none" strike="noStrike" baseline="0" dirty="0" err="1">
+                <a:solidFill>
+                  <a:srgbClr val="000000"/>
+                </a:solidFill>
+                <a:latin typeface="Times New Roman" panose="02020603050405020304" pitchFamily="18" charset="0"/>
+              </a:rPr>
+              <a:t>trình</a:t>
+            </a:r>
+            <a:r>
+              <a:rPr lang="en-US" sz="2000" b="0" i="0" u="none" strike="noStrike" baseline="0" dirty="0">
+                <a:solidFill>
+                  <a:srgbClr val="000000"/>
+                </a:solidFill>
+                <a:latin typeface="Times New Roman" panose="02020603050405020304" pitchFamily="18" charset="0"/>
+              </a:rPr>
+              <a:t> </a:t>
+            </a:r>
+            <a:r>
+              <a:rPr lang="en-US" sz="2000" b="0" i="0" u="none" strike="noStrike" baseline="0" dirty="0" err="1">
+                <a:solidFill>
+                  <a:srgbClr val="000000"/>
+                </a:solidFill>
+                <a:latin typeface="Times New Roman" panose="02020603050405020304" pitchFamily="18" charset="0"/>
+              </a:rPr>
+              <a:t>bày</a:t>
+            </a:r>
+            <a:r>
+              <a:rPr lang="en-US" sz="2000" b="0" i="0" u="none" strike="noStrike" baseline="0" dirty="0">
+                <a:solidFill>
+                  <a:srgbClr val="000000"/>
+                </a:solidFill>
+                <a:latin typeface="Times New Roman" panose="02020603050405020304" pitchFamily="18" charset="0"/>
+              </a:rPr>
+              <a:t>. </a:t>
+            </a:r>
+            <a:endParaRPr lang="en-US" sz="2000" dirty="0"/>
+          </a:p>
+        </p:txBody>
+      </p:sp>
+      <p:sp>
+        <p:nvSpPr>
+          <p:cNvPr id="15" name="TextBox 14">
+            <a:extLst>
+              <a:ext uri="{FF2B5EF4-FFF2-40B4-BE49-F238E27FC236}">
+                <a16:creationId xmlns:a16="http://schemas.microsoft.com/office/drawing/2014/main" id="{59BFE450-DF69-4993-978D-2B3610B2024B}"/>
+              </a:ext>
+            </a:extLst>
+          </p:cNvPr>
+          <p:cNvSpPr txBox="1"/>
+          <p:nvPr/>
+        </p:nvSpPr>
+        <p:spPr>
+          <a:xfrm>
+            <a:off x="914400" y="4589525"/>
+            <a:ext cx="11201400" cy="1015663"/>
+          </a:xfrm>
+          <a:prstGeom prst="rect">
+            <a:avLst/>
+          </a:prstGeom>
+          <a:noFill/>
+        </p:spPr>
+        <p:txBody>
+          <a:bodyPr wrap="square">
+            <a:spAutoFit/>
+          </a:bodyPr>
+          <a:lstStyle/>
+          <a:p>
+            <a:r>
+              <a:rPr lang="vi-VN" sz="2000" b="0" i="0" u="none" strike="noStrike" baseline="0" dirty="0">
+                <a:solidFill>
+                  <a:srgbClr val="000000"/>
+                </a:solidFill>
+                <a:latin typeface="Times New Roman" panose="02020603050405020304" pitchFamily="18" charset="0"/>
+              </a:rPr>
+              <a:t>Một tài liệu HTML được hình thành bởi các phần tử HTML (HTML Elements) được quy định bằng các cặp thẻ (tag và attributes). Các cặp thẻ này được bao bọc bởi một dấu ngoặc nhọn (ví dụ ) và thường là sẽ được khai báo thành một cặp, bao gồm thẻ mở và thẻ đóng. </a:t>
+            </a:r>
+            <a:endParaRPr lang="en-US" sz="2000" dirty="0"/>
+          </a:p>
+        </p:txBody>
+      </p:sp>
+      <p:sp>
+        <p:nvSpPr>
+          <p:cNvPr id="16" name="TextBox 15">
+            <a:extLst>
+              <a:ext uri="{FF2B5EF4-FFF2-40B4-BE49-F238E27FC236}">
+                <a16:creationId xmlns:a16="http://schemas.microsoft.com/office/drawing/2014/main" id="{DEAB058E-9A6D-453C-86B2-8AA7F8AA205C}"/>
+              </a:ext>
+            </a:extLst>
+          </p:cNvPr>
+          <p:cNvSpPr txBox="1"/>
+          <p:nvPr/>
+        </p:nvSpPr>
+        <p:spPr>
+          <a:xfrm>
+            <a:off x="152400" y="6613267"/>
+            <a:ext cx="2592056" cy="184666"/>
+          </a:xfrm>
+          <a:prstGeom prst="rect">
+            <a:avLst/>
+          </a:prstGeom>
+          <a:noFill/>
+        </p:spPr>
+        <p:txBody>
+          <a:bodyPr wrap="none" lIns="0" tIns="0" rIns="0" bIns="0" rtlCol="0">
+            <a:spAutoFit/>
+          </a:bodyPr>
+          <a:lstStyle/>
+          <a:p>
+            <a:r>
+              <a:rPr lang="en-US" sz="1200" dirty="0">
+                <a:latin typeface="#9Slide03 Montserrat Light" panose="00000400000000000000" pitchFamily="2" charset="0"/>
+              </a:rPr>
+              <a:t>|  </a:t>
+            </a:r>
+            <a:r>
+              <a:rPr lang="en-US" sz="1200" dirty="0" err="1">
+                <a:latin typeface="#9Slide03 Montserrat Light" panose="00000400000000000000" pitchFamily="2" charset="0"/>
+              </a:rPr>
+              <a:t>Xây</a:t>
+            </a:r>
+            <a:r>
+              <a:rPr lang="en-US" sz="1200" dirty="0">
+                <a:latin typeface="#9Slide03 Montserrat Light" panose="00000400000000000000" pitchFamily="2" charset="0"/>
+              </a:rPr>
+              <a:t> </a:t>
+            </a:r>
+            <a:r>
+              <a:rPr lang="en-US" sz="1200" dirty="0" err="1">
+                <a:latin typeface="#9Slide03 Montserrat Light" panose="00000400000000000000" pitchFamily="2" charset="0"/>
+              </a:rPr>
+              <a:t>dựng</a:t>
+            </a:r>
+            <a:r>
+              <a:rPr lang="en-US" sz="1200" dirty="0">
+                <a:latin typeface="#9Slide03 Montserrat Light" panose="00000400000000000000" pitchFamily="2" charset="0"/>
+              </a:rPr>
+              <a:t> Website </a:t>
+            </a:r>
+            <a:r>
+              <a:rPr lang="en-US" sz="1200" dirty="0" err="1">
+                <a:latin typeface="#9Slide03 Montserrat Light" panose="00000400000000000000" pitchFamily="2" charset="0"/>
+              </a:rPr>
+              <a:t>bán</a:t>
+            </a:r>
+            <a:r>
+              <a:rPr lang="en-US" sz="1200" dirty="0">
+                <a:latin typeface="#9Slide03 Montserrat Light" panose="00000400000000000000" pitchFamily="2" charset="0"/>
+              </a:rPr>
+              <a:t> </a:t>
+            </a:r>
+            <a:r>
+              <a:rPr lang="en-US" sz="1200" dirty="0" err="1">
+                <a:latin typeface="#9Slide03 Montserrat Light" panose="00000400000000000000" pitchFamily="2" charset="0"/>
+              </a:rPr>
+              <a:t>mỹ</a:t>
+            </a:r>
+            <a:r>
+              <a:rPr lang="en-US" sz="1200" dirty="0">
+                <a:latin typeface="#9Slide03 Montserrat Light" panose="00000400000000000000" pitchFamily="2" charset="0"/>
+              </a:rPr>
+              <a:t> </a:t>
+            </a:r>
+            <a:r>
+              <a:rPr lang="en-US" sz="1200" dirty="0" err="1">
+                <a:latin typeface="#9Slide03 Montserrat Light" panose="00000400000000000000" pitchFamily="2" charset="0"/>
+              </a:rPr>
+              <a:t>phẩm</a:t>
+            </a:r>
+            <a:endParaRPr lang="en-US" sz="1200" dirty="0">
+              <a:latin typeface="#9Slide03 Montserrat Light" panose="00000400000000000000" pitchFamily="2" charset="0"/>
+            </a:endParaRPr>
+          </a:p>
+        </p:txBody>
+      </p:sp>
+    </p:spTree>
+    <p:extLst>
+      <p:ext uri="{BB962C8B-B14F-4D97-AF65-F5344CB8AC3E}">
+        <p14:creationId xmlns:p14="http://schemas.microsoft.com/office/powerpoint/2010/main" val="2697738911"/>
+      </p:ext>
+    </p:extLst>
+  </p:cSld>
+  <p:clrMapOvr>
+    <a:masterClrMapping/>
+  </p:clrMapOvr>
+  <mc:AlternateContent xmlns:mc="http://schemas.openxmlformats.org/markup-compatibility/2006" xmlns:p14="http://schemas.microsoft.com/office/powerpoint/2010/main">
+    <mc:Choice Requires="p14">
+      <p:transition spd="med" p14:dur="700">
+        <p:fade/>
+      </p:transition>
+    </mc:Choice>
+    <mc:Fallback xmlns="">
+      <p:transition spd="med">
+        <p:fade/>
+      </p:transition>
+    </mc:Fallback>
+  </mc:AlternateContent>
+  <p:timing>
+    <p:tnLst>
+      <p:par>
+        <p:cTn id="1" dur="indefinite" restart="never" nodeType="tmRoot">
+          <p:childTnLst>
+            <p:seq concurrent="1" nextAc="seek">
+              <p:cTn id="2" dur="indefinite" nodeType="mainSeq">
+                <p:childTnLst>
+                  <p:par>
+                    <p:cTn id="3" fill="hold">
+                      <p:stCondLst>
+                        <p:cond delay="indefinite"/>
+                        <p:cond evt="onBegin" delay="0">
+                          <p:tn val="2"/>
+                        </p:cond>
+                      </p:stCondLst>
+                      <p:childTnLst>
+                        <p:par>
+                          <p:cTn id="4" fill="hold">
+                            <p:stCondLst>
+                              <p:cond delay="0"/>
+                            </p:stCondLst>
+                            <p:childTnLst>
+                              <p:par>
+                                <p:cTn id="5" presetID="10" presetClass="entr" presetSubtype="0" fill="hold" grpId="0" nodeType="withEffect">
+                                  <p:stCondLst>
+                                    <p:cond delay="1100"/>
+                                  </p:stCondLst>
+                                  <p:childTnLst>
+                                    <p:set>
+                                      <p:cBhvr>
+                                        <p:cTn id="6" dur="1" fill="hold">
+                                          <p:stCondLst>
+                                            <p:cond delay="0"/>
+                                          </p:stCondLst>
+                                        </p:cTn>
+                                        <p:tgtEl>
+                                          <p:spTgt spid="16"/>
+                                        </p:tgtEl>
+                                        <p:attrNameLst>
+                                          <p:attrName>style.visibility</p:attrName>
+                                        </p:attrNameLst>
+                                      </p:cBhvr>
+                                      <p:to>
+                                        <p:strVal val="visible"/>
+                                      </p:to>
+                                    </p:set>
+                                    <p:animEffect transition="in" filter="fade">
+                                      <p:cBhvr>
+                                        <p:cTn id="7" dur="500"/>
+                                        <p:tgtEl>
+                                          <p:spTgt spid="16"/>
+                                        </p:tgtEl>
+                                      </p:cBhvr>
+                                    </p:animEffect>
+                                  </p:childTnLst>
+                                </p:cTn>
+                              </p:par>
+                              <p:par>
+                                <p:cTn id="8" presetID="6" presetClass="emph" presetSubtype="0" fill="hold" grpId="1" nodeType="withEffect">
+                                  <p:stCondLst>
+                                    <p:cond delay="1100"/>
+                                  </p:stCondLst>
+                                  <p:childTnLst>
+                                    <p:animScale>
+                                      <p:cBhvr>
+                                        <p:cTn id="9" dur="10" fill="hold"/>
+                                        <p:tgtEl>
+                                          <p:spTgt spid="16"/>
+                                        </p:tgtEl>
+                                      </p:cBhvr>
+                                      <p:by x="125000" y="125000"/>
+                                    </p:animScale>
+                                  </p:childTnLst>
+                                </p:cTn>
+                              </p:par>
+                              <p:par>
+                                <p:cTn id="10" presetID="6" presetClass="emph" presetSubtype="0" decel="100000" fill="hold" grpId="2" nodeType="withEffect">
+                                  <p:stCondLst>
+                                    <p:cond delay="1100"/>
+                                  </p:stCondLst>
+                                  <p:childTnLst>
+                                    <p:animScale>
+                                      <p:cBhvr>
+                                        <p:cTn id="11" dur="750" fill="hold"/>
+                                        <p:tgtEl>
+                                          <p:spTgt spid="16"/>
+                                        </p:tgtEl>
+                                      </p:cBhvr>
+                                      <p:by x="80000" y="80000"/>
+                                    </p:animScale>
+                                  </p:childTnLst>
+                                </p:cTn>
+                              </p:par>
+                            </p:childTnLst>
+                          </p:cTn>
+                        </p:par>
+                      </p:childTnLst>
+                    </p:cTn>
+                  </p:par>
+                </p:childTnLst>
+              </p:cTn>
+              <p:prevCondLst>
+                <p:cond evt="onPrev" delay="0">
+                  <p:tgtEl>
+                    <p:sldTgt/>
+                  </p:tgtEl>
+                </p:cond>
+              </p:prevCondLst>
+              <p:nextCondLst>
+                <p:cond evt="onNext" delay="0">
+                  <p:tgtEl>
+                    <p:sldTgt/>
+                  </p:tgtEl>
+                </p:cond>
+              </p:nextCondLst>
+            </p:seq>
+          </p:childTnLst>
+        </p:cTn>
+      </p:par>
+    </p:tnLst>
+    <p:bldLst>
+      <p:bldP spid="16" grpId="0"/>
+      <p:bldP spid="16" grpId="1"/>
+      <p:bldP spid="16" grpId="2"/>
+    </p:bldLst>
+  </p:timing>
+</p:sld>
+</file>
+
+<file path=ppt/slides/slide12.xml><?xml version="1.0" encoding="utf-8"?>
+<p:sld xmlns:a="http://schemas.openxmlformats.org/drawingml/2006/main" xmlns:r="http://schemas.openxmlformats.org/officeDocument/2006/relationships" xmlns:p="http://schemas.openxmlformats.org/presentationml/2006/main">
+  <p:cSld>
+    <p:spTree>
+      <p:nvGrpSpPr>
+        <p:cNvPr id="1" name=""/>
+        <p:cNvGrpSpPr/>
+        <p:nvPr/>
+      </p:nvGrpSpPr>
+      <p:grpSpPr>
+        <a:xfrm>
+          <a:off x="0" y="0"/>
+          <a:ext cx="0" cy="0"/>
+          <a:chOff x="0" y="0"/>
+          <a:chExt cx="0" cy="0"/>
+        </a:xfrm>
+      </p:grpSpPr>
+      <p:sp>
+        <p:nvSpPr>
+          <p:cNvPr id="3" name="TextBox 2">
+            <a:extLst>
+              <a:ext uri="{FF2B5EF4-FFF2-40B4-BE49-F238E27FC236}">
+                <a16:creationId xmlns:a16="http://schemas.microsoft.com/office/drawing/2014/main" id="{E943E011-D020-439F-BD41-7FEA720D5533}"/>
+              </a:ext>
+            </a:extLst>
+          </p:cNvPr>
+          <p:cNvSpPr txBox="1"/>
+          <p:nvPr/>
+        </p:nvSpPr>
+        <p:spPr>
+          <a:xfrm>
+            <a:off x="381000" y="228600"/>
+            <a:ext cx="11201400" cy="2431435"/>
+          </a:xfrm>
+          <a:prstGeom prst="rect">
+            <a:avLst/>
+          </a:prstGeom>
+          <a:noFill/>
+        </p:spPr>
+        <p:txBody>
+          <a:bodyPr wrap="square">
+            <a:spAutoFit/>
+          </a:bodyPr>
+          <a:lstStyle/>
+          <a:p>
+            <a:r>
+              <a:rPr lang="en-US" sz="2400" b="1" i="0" u="none" strike="noStrike" baseline="0" dirty="0" err="1">
+                <a:solidFill>
+                  <a:srgbClr val="000000"/>
+                </a:solidFill>
+                <a:latin typeface="Times New Roman" panose="02020603050405020304" pitchFamily="18" charset="0"/>
+              </a:rPr>
+              <a:t>Giới</a:t>
+            </a:r>
+            <a:r>
+              <a:rPr lang="en-US" sz="2400" b="1" i="0" u="none" strike="noStrike" baseline="0" dirty="0">
+                <a:solidFill>
+                  <a:srgbClr val="000000"/>
+                </a:solidFill>
+                <a:latin typeface="Times New Roman" panose="02020603050405020304" pitchFamily="18" charset="0"/>
+              </a:rPr>
+              <a:t> </a:t>
+            </a:r>
+            <a:r>
+              <a:rPr lang="en-US" sz="2400" b="1" i="0" u="none" strike="noStrike" baseline="0" dirty="0" err="1">
+                <a:solidFill>
+                  <a:srgbClr val="000000"/>
+                </a:solidFill>
+                <a:latin typeface="Times New Roman" panose="02020603050405020304" pitchFamily="18" charset="0"/>
+              </a:rPr>
+              <a:t>thiệu</a:t>
+            </a:r>
+            <a:r>
+              <a:rPr lang="en-US" sz="2400" b="1" i="0" u="none" strike="noStrike" baseline="0" dirty="0">
+                <a:solidFill>
+                  <a:srgbClr val="000000"/>
+                </a:solidFill>
+                <a:latin typeface="Times New Roman" panose="02020603050405020304" pitchFamily="18" charset="0"/>
+              </a:rPr>
+              <a:t> </a:t>
+            </a:r>
+            <a:r>
+              <a:rPr lang="en-US" sz="2400" b="1" i="0" u="none" strike="noStrike" baseline="0" dirty="0" err="1">
+                <a:solidFill>
+                  <a:srgbClr val="000000"/>
+                </a:solidFill>
+                <a:latin typeface="Times New Roman" panose="02020603050405020304" pitchFamily="18" charset="0"/>
+              </a:rPr>
+              <a:t>về</a:t>
+            </a:r>
+            <a:r>
+              <a:rPr lang="en-US" sz="2400" b="1" i="0" u="none" strike="noStrike" baseline="0" dirty="0">
+                <a:solidFill>
+                  <a:srgbClr val="000000"/>
+                </a:solidFill>
+                <a:latin typeface="Times New Roman" panose="02020603050405020304" pitchFamily="18" charset="0"/>
+              </a:rPr>
+              <a:t> CSS: </a:t>
+            </a:r>
+          </a:p>
+          <a:p>
+            <a:endParaRPr lang="en-US" sz="2400" b="1" i="0" u="none" strike="noStrike" baseline="0" dirty="0">
+              <a:solidFill>
+                <a:srgbClr val="000000"/>
+              </a:solidFill>
+              <a:latin typeface="Times New Roman" panose="02020603050405020304" pitchFamily="18" charset="0"/>
+            </a:endParaRPr>
+          </a:p>
+          <a:p>
+            <a:r>
+              <a:rPr lang="en-US" sz="2400" b="1" i="0" u="none" strike="noStrike" baseline="0" dirty="0">
+                <a:solidFill>
+                  <a:srgbClr val="000000"/>
+                </a:solidFill>
+                <a:latin typeface="Times New Roman" panose="02020603050405020304" pitchFamily="18" charset="0"/>
+              </a:rPr>
+              <a:t> </a:t>
+            </a:r>
+            <a:r>
+              <a:rPr lang="vi-VN" sz="2000" b="0" i="0" u="none" strike="noStrike" baseline="0" dirty="0">
+                <a:solidFill>
+                  <a:srgbClr val="000000"/>
+                </a:solidFill>
+                <a:latin typeface="Times New Roman" panose="02020603050405020304" pitchFamily="18" charset="0"/>
+              </a:rPr>
+              <a:t>CSS là chữ viết tắt của Cascading Style Sheets, nó là một ngôn ngữ được sử dụng để tìm và định dạng lại các phần tử được tạo ra bởi các ngôn ngữ đánh dấu (HTML). Ta có thể hiểu đơn giản rằng, nếu HTML đóng vai trò định dạng các phần tử trên website như việc tạo ra các đoạn văn bản, các tiêu đề, </a:t>
+            </a:r>
+            <a:r>
+              <a:rPr lang="en-US" sz="2000" b="0" i="0" u="none" strike="noStrike" baseline="0" dirty="0" err="1">
+                <a:solidFill>
+                  <a:srgbClr val="000000"/>
+                </a:solidFill>
+                <a:latin typeface="Times New Roman" panose="02020603050405020304" pitchFamily="18" charset="0"/>
+                <a:cs typeface="Times New Roman" panose="02020603050405020304" pitchFamily="18" charset="0"/>
+              </a:rPr>
+              <a:t>bảng</a:t>
+            </a:r>
+            <a:r>
+              <a:rPr lang="en-US" sz="2000" b="0" i="0" u="none" strike="noStrike" baseline="0" dirty="0">
+                <a:solidFill>
+                  <a:srgbClr val="000000"/>
+                </a:solidFill>
+                <a:latin typeface="Times New Roman" panose="02020603050405020304" pitchFamily="18" charset="0"/>
+                <a:cs typeface="Times New Roman" panose="02020603050405020304" pitchFamily="18" charset="0"/>
+              </a:rPr>
+              <a:t>…</a:t>
+            </a:r>
+            <a:r>
+              <a:rPr lang="en-US" sz="2000" b="0" i="0" u="none" strike="noStrike" baseline="0" dirty="0" err="1">
+                <a:solidFill>
+                  <a:srgbClr val="000000"/>
+                </a:solidFill>
+                <a:latin typeface="Times New Roman" panose="02020603050405020304" pitchFamily="18" charset="0"/>
+                <a:cs typeface="Times New Roman" panose="02020603050405020304" pitchFamily="18" charset="0"/>
+              </a:rPr>
+              <a:t>Thì</a:t>
+            </a:r>
+            <a:r>
+              <a:rPr lang="en-US" sz="2000" b="0" i="0" u="none" strike="noStrike" baseline="0" dirty="0">
+                <a:solidFill>
+                  <a:srgbClr val="000000"/>
+                </a:solidFill>
+                <a:latin typeface="Times New Roman" panose="02020603050405020304" pitchFamily="18" charset="0"/>
+                <a:cs typeface="Times New Roman" panose="02020603050405020304" pitchFamily="18" charset="0"/>
+              </a:rPr>
+              <a:t> CSS </a:t>
+            </a:r>
+            <a:r>
+              <a:rPr lang="en-US" sz="2000" b="0" i="0" u="none" strike="noStrike" baseline="0" dirty="0" err="1">
+                <a:solidFill>
+                  <a:srgbClr val="000000"/>
+                </a:solidFill>
+                <a:latin typeface="Times New Roman" panose="02020603050405020304" pitchFamily="18" charset="0"/>
+                <a:cs typeface="Times New Roman" panose="02020603050405020304" pitchFamily="18" charset="0"/>
+              </a:rPr>
+              <a:t>sẽ</a:t>
+            </a:r>
+            <a:r>
+              <a:rPr lang="en-US" sz="2000" b="0" i="0" u="none" strike="noStrike" baseline="0" dirty="0">
+                <a:solidFill>
+                  <a:srgbClr val="000000"/>
+                </a:solidFill>
+                <a:latin typeface="Times New Roman" panose="02020603050405020304" pitchFamily="18" charset="0"/>
+                <a:cs typeface="Times New Roman" panose="02020603050405020304" pitchFamily="18" charset="0"/>
+              </a:rPr>
+              <a:t> </a:t>
+            </a:r>
+            <a:r>
+              <a:rPr lang="en-US" sz="2000" b="0" i="0" u="none" strike="noStrike" baseline="0" dirty="0" err="1">
+                <a:solidFill>
+                  <a:srgbClr val="000000"/>
+                </a:solidFill>
+                <a:latin typeface="Times New Roman" panose="02020603050405020304" pitchFamily="18" charset="0"/>
+                <a:cs typeface="Times New Roman" panose="02020603050405020304" pitchFamily="18" charset="0"/>
+              </a:rPr>
+              <a:t>giúp</a:t>
+            </a:r>
+            <a:r>
+              <a:rPr lang="en-US" sz="2000" b="0" i="0" u="none" strike="noStrike" baseline="0" dirty="0">
+                <a:solidFill>
+                  <a:srgbClr val="000000"/>
+                </a:solidFill>
+                <a:latin typeface="Times New Roman" panose="02020603050405020304" pitchFamily="18" charset="0"/>
+                <a:cs typeface="Times New Roman" panose="02020603050405020304" pitchFamily="18" charset="0"/>
+              </a:rPr>
+              <a:t> </a:t>
+            </a:r>
+            <a:r>
+              <a:rPr lang="en-US" sz="2000" b="0" i="0" u="none" strike="noStrike" baseline="0" dirty="0" err="1">
+                <a:solidFill>
+                  <a:srgbClr val="000000"/>
+                </a:solidFill>
+                <a:latin typeface="Times New Roman" panose="02020603050405020304" pitchFamily="18" charset="0"/>
+                <a:cs typeface="Times New Roman" panose="02020603050405020304" pitchFamily="18" charset="0"/>
+              </a:rPr>
+              <a:t>chúng</a:t>
+            </a:r>
+            <a:r>
+              <a:rPr lang="en-US" sz="2000" b="0" i="0" u="none" strike="noStrike" baseline="0" dirty="0">
+                <a:solidFill>
+                  <a:srgbClr val="000000"/>
+                </a:solidFill>
+                <a:latin typeface="Times New Roman" panose="02020603050405020304" pitchFamily="18" charset="0"/>
+                <a:cs typeface="Times New Roman" panose="02020603050405020304" pitchFamily="18" charset="0"/>
+              </a:rPr>
+              <a:t> ta </a:t>
+            </a:r>
+            <a:r>
+              <a:rPr lang="en-US" sz="2000" b="0" i="0" u="none" strike="noStrike" baseline="0" dirty="0" err="1">
+                <a:solidFill>
+                  <a:srgbClr val="000000"/>
+                </a:solidFill>
+                <a:latin typeface="Times New Roman" panose="02020603050405020304" pitchFamily="18" charset="0"/>
+                <a:cs typeface="Times New Roman" panose="02020603050405020304" pitchFamily="18" charset="0"/>
+              </a:rPr>
+              <a:t>có</a:t>
+            </a:r>
+            <a:r>
+              <a:rPr lang="en-US" sz="2000" b="0" i="0" u="none" strike="noStrike" baseline="0" dirty="0">
+                <a:solidFill>
+                  <a:srgbClr val="000000"/>
+                </a:solidFill>
+                <a:latin typeface="Times New Roman" panose="02020603050405020304" pitchFamily="18" charset="0"/>
+                <a:cs typeface="Times New Roman" panose="02020603050405020304" pitchFamily="18" charset="0"/>
+              </a:rPr>
+              <a:t> </a:t>
+            </a:r>
+            <a:r>
+              <a:rPr lang="en-US" sz="2000" b="0" i="0" u="none" strike="noStrike" baseline="0" dirty="0" err="1">
+                <a:solidFill>
+                  <a:srgbClr val="000000"/>
+                </a:solidFill>
+                <a:latin typeface="Times New Roman" panose="02020603050405020304" pitchFamily="18" charset="0"/>
+                <a:cs typeface="Times New Roman" panose="02020603050405020304" pitchFamily="18" charset="0"/>
+              </a:rPr>
+              <a:t>thể</a:t>
+            </a:r>
+            <a:r>
+              <a:rPr lang="en-US" sz="2000" b="0" i="0" u="none" strike="noStrike" baseline="0" dirty="0">
+                <a:solidFill>
+                  <a:srgbClr val="000000"/>
+                </a:solidFill>
+                <a:latin typeface="Times New Roman" panose="02020603050405020304" pitchFamily="18" charset="0"/>
+                <a:cs typeface="Times New Roman" panose="02020603050405020304" pitchFamily="18" charset="0"/>
+              </a:rPr>
+              <a:t> </a:t>
+            </a:r>
+            <a:r>
+              <a:rPr lang="en-US" sz="2000" b="0" i="0" u="none" strike="noStrike" baseline="0" dirty="0" err="1">
+                <a:solidFill>
+                  <a:srgbClr val="000000"/>
+                </a:solidFill>
+                <a:latin typeface="Times New Roman" panose="02020603050405020304" pitchFamily="18" charset="0"/>
+                <a:cs typeface="Times New Roman" panose="02020603050405020304" pitchFamily="18" charset="0"/>
+              </a:rPr>
+              <a:t>thêm</a:t>
+            </a:r>
+            <a:r>
+              <a:rPr lang="en-US" sz="2000" b="0" i="0" u="none" strike="noStrike" baseline="0" dirty="0">
+                <a:solidFill>
+                  <a:srgbClr val="000000"/>
+                </a:solidFill>
+                <a:latin typeface="Times New Roman" panose="02020603050405020304" pitchFamily="18" charset="0"/>
+                <a:cs typeface="Times New Roman" panose="02020603050405020304" pitchFamily="18" charset="0"/>
+              </a:rPr>
+              <a:t> </a:t>
+            </a:r>
+            <a:r>
+              <a:rPr lang="en-US" sz="2000" b="0" i="0" u="none" strike="noStrike" baseline="0" dirty="0" err="1">
+                <a:solidFill>
+                  <a:srgbClr val="000000"/>
+                </a:solidFill>
+                <a:latin typeface="Times New Roman" panose="02020603050405020304" pitchFamily="18" charset="0"/>
+                <a:cs typeface="Times New Roman" panose="02020603050405020304" pitchFamily="18" charset="0"/>
+              </a:rPr>
+              <a:t>một</a:t>
+            </a:r>
+            <a:r>
+              <a:rPr lang="en-US" sz="2000" b="0" i="0" u="none" strike="noStrike" baseline="0" dirty="0">
+                <a:solidFill>
+                  <a:srgbClr val="000000"/>
+                </a:solidFill>
+                <a:latin typeface="Times New Roman" panose="02020603050405020304" pitchFamily="18" charset="0"/>
+                <a:cs typeface="Times New Roman" panose="02020603050405020304" pitchFamily="18" charset="0"/>
+              </a:rPr>
+              <a:t> </a:t>
+            </a:r>
+            <a:r>
+              <a:rPr lang="en-US" sz="2000" b="0" i="0" u="none" strike="noStrike" baseline="0" dirty="0" err="1">
+                <a:solidFill>
+                  <a:srgbClr val="000000"/>
+                </a:solidFill>
+                <a:latin typeface="Times New Roman" panose="02020603050405020304" pitchFamily="18" charset="0"/>
+                <a:cs typeface="Times New Roman" panose="02020603050405020304" pitchFamily="18" charset="0"/>
+              </a:rPr>
+              <a:t>chút</a:t>
+            </a:r>
+            <a:r>
+              <a:rPr lang="en-US" sz="2000" b="0" i="0" u="none" strike="noStrike" baseline="0" dirty="0">
+                <a:solidFill>
+                  <a:srgbClr val="000000"/>
+                </a:solidFill>
+                <a:latin typeface="Times New Roman" panose="02020603050405020304" pitchFamily="18" charset="0"/>
+                <a:cs typeface="Times New Roman" panose="02020603050405020304" pitchFamily="18" charset="0"/>
+              </a:rPr>
+              <a:t> </a:t>
+            </a:r>
+            <a:r>
+              <a:rPr lang="en-US" sz="2000" b="0" i="0" u="none" strike="noStrike" baseline="0" dirty="0" err="1">
+                <a:solidFill>
+                  <a:srgbClr val="000000"/>
+                </a:solidFill>
+                <a:latin typeface="Times New Roman" panose="02020603050405020304" pitchFamily="18" charset="0"/>
+                <a:cs typeface="Times New Roman" panose="02020603050405020304" pitchFamily="18" charset="0"/>
+              </a:rPr>
+              <a:t>màu</a:t>
+            </a:r>
+            <a:r>
+              <a:rPr lang="en-US" sz="2000" b="0" i="0" u="none" strike="noStrike" baseline="0" dirty="0">
+                <a:solidFill>
+                  <a:srgbClr val="000000"/>
+                </a:solidFill>
+                <a:latin typeface="Times New Roman" panose="02020603050405020304" pitchFamily="18" charset="0"/>
+                <a:cs typeface="Times New Roman" panose="02020603050405020304" pitchFamily="18" charset="0"/>
+              </a:rPr>
+              <a:t> </a:t>
+            </a:r>
+            <a:r>
+              <a:rPr lang="en-US" sz="2000" b="0" i="0" u="none" strike="noStrike" baseline="0" dirty="0" err="1">
+                <a:solidFill>
+                  <a:srgbClr val="000000"/>
+                </a:solidFill>
+                <a:latin typeface="Times New Roman" panose="02020603050405020304" pitchFamily="18" charset="0"/>
+                <a:cs typeface="Times New Roman" panose="02020603050405020304" pitchFamily="18" charset="0"/>
+              </a:rPr>
+              <a:t>sắc</a:t>
+            </a:r>
+            <a:r>
+              <a:rPr lang="en-US" sz="2000" b="0" i="0" u="none" strike="noStrike" baseline="0" dirty="0">
+                <a:solidFill>
+                  <a:srgbClr val="000000"/>
+                </a:solidFill>
+                <a:latin typeface="Times New Roman" panose="02020603050405020304" pitchFamily="18" charset="0"/>
+                <a:cs typeface="Times New Roman" panose="02020603050405020304" pitchFamily="18" charset="0"/>
+              </a:rPr>
+              <a:t> </a:t>
+            </a:r>
+            <a:r>
+              <a:rPr lang="en-US" sz="2000" b="0" i="0" u="none" strike="noStrike" baseline="0" dirty="0" err="1">
+                <a:solidFill>
+                  <a:srgbClr val="000000"/>
+                </a:solidFill>
+                <a:latin typeface="Times New Roman" panose="02020603050405020304" pitchFamily="18" charset="0"/>
+                <a:cs typeface="Times New Roman" panose="02020603050405020304" pitchFamily="18" charset="0"/>
+              </a:rPr>
+              <a:t>trang</a:t>
+            </a:r>
+            <a:r>
+              <a:rPr lang="en-US" sz="2000" b="0" i="0" u="none" strike="noStrike" baseline="0" dirty="0">
+                <a:solidFill>
+                  <a:srgbClr val="000000"/>
+                </a:solidFill>
+                <a:latin typeface="Times New Roman" panose="02020603050405020304" pitchFamily="18" charset="0"/>
+                <a:cs typeface="Times New Roman" panose="02020603050405020304" pitchFamily="18" charset="0"/>
+              </a:rPr>
+              <a:t>, </a:t>
+            </a:r>
+            <a:r>
+              <a:rPr lang="en-US" sz="2000" b="0" i="0" u="none" strike="noStrike" baseline="0" dirty="0" err="1">
+                <a:solidFill>
+                  <a:srgbClr val="000000"/>
+                </a:solidFill>
+                <a:latin typeface="Times New Roman" panose="02020603050405020304" pitchFamily="18" charset="0"/>
+                <a:cs typeface="Times New Roman" panose="02020603050405020304" pitchFamily="18" charset="0"/>
+              </a:rPr>
+              <a:t>đổi</a:t>
+            </a:r>
+            <a:r>
+              <a:rPr lang="en-US" sz="2000" b="0" i="0" u="none" strike="noStrike" baseline="0" dirty="0">
+                <a:solidFill>
+                  <a:srgbClr val="000000"/>
+                </a:solidFill>
+                <a:latin typeface="Times New Roman" panose="02020603050405020304" pitchFamily="18" charset="0"/>
+                <a:cs typeface="Times New Roman" panose="02020603050405020304" pitchFamily="18" charset="0"/>
+              </a:rPr>
+              <a:t> </a:t>
+            </a:r>
+            <a:r>
+              <a:rPr lang="en-US" sz="2000" b="0" i="0" u="none" strike="noStrike" baseline="0" dirty="0" err="1">
+                <a:solidFill>
+                  <a:srgbClr val="000000"/>
+                </a:solidFill>
+                <a:latin typeface="Times New Roman" panose="02020603050405020304" pitchFamily="18" charset="0"/>
+                <a:cs typeface="Times New Roman" panose="02020603050405020304" pitchFamily="18" charset="0"/>
+              </a:rPr>
+              <a:t>màu</a:t>
+            </a:r>
+            <a:r>
+              <a:rPr lang="en-US" sz="2000" b="0" i="0" u="none" strike="noStrike" baseline="0" dirty="0">
+                <a:solidFill>
+                  <a:srgbClr val="000000"/>
+                </a:solidFill>
+                <a:latin typeface="Times New Roman" panose="02020603050405020304" pitchFamily="18" charset="0"/>
+                <a:cs typeface="Times New Roman" panose="02020603050405020304" pitchFamily="18" charset="0"/>
+              </a:rPr>
+              <a:t> </a:t>
+            </a:r>
+            <a:r>
+              <a:rPr lang="en-US" sz="2000" b="0" i="0" u="none" strike="noStrike" baseline="0" dirty="0" err="1">
+                <a:solidFill>
+                  <a:srgbClr val="000000"/>
+                </a:solidFill>
+                <a:latin typeface="Times New Roman" panose="02020603050405020304" pitchFamily="18" charset="0"/>
+                <a:cs typeface="Times New Roman" panose="02020603050405020304" pitchFamily="18" charset="0"/>
+              </a:rPr>
+              <a:t>chữ</a:t>
+            </a:r>
+            <a:r>
+              <a:rPr lang="en-US" sz="2000" b="0" i="0" u="none" strike="noStrike" baseline="0" dirty="0">
+                <a:solidFill>
+                  <a:srgbClr val="000000"/>
+                </a:solidFill>
+                <a:latin typeface="Times New Roman" panose="02020603050405020304" pitchFamily="18" charset="0"/>
+                <a:cs typeface="Times New Roman" panose="02020603050405020304" pitchFamily="18" charset="0"/>
+              </a:rPr>
+              <a:t>, </a:t>
+            </a:r>
+            <a:r>
+              <a:rPr lang="en-US" sz="2000" b="0" i="0" u="none" strike="noStrike" baseline="0" dirty="0" err="1">
+                <a:solidFill>
+                  <a:srgbClr val="000000"/>
+                </a:solidFill>
+                <a:latin typeface="Times New Roman" panose="02020603050405020304" pitchFamily="18" charset="0"/>
+                <a:cs typeface="Times New Roman" panose="02020603050405020304" pitchFamily="18" charset="0"/>
+              </a:rPr>
+              <a:t>thay</a:t>
+            </a:r>
+            <a:r>
+              <a:rPr lang="en-US" sz="2000" b="0" i="0" u="none" strike="noStrike" baseline="0" dirty="0">
+                <a:solidFill>
+                  <a:srgbClr val="000000"/>
+                </a:solidFill>
+                <a:latin typeface="Times New Roman" panose="02020603050405020304" pitchFamily="18" charset="0"/>
+                <a:cs typeface="Times New Roman" panose="02020603050405020304" pitchFamily="18" charset="0"/>
+              </a:rPr>
+              <a:t> </a:t>
+            </a:r>
+            <a:r>
+              <a:rPr lang="en-US" sz="2000" b="0" i="0" u="none" strike="noStrike" baseline="0" dirty="0" err="1">
+                <a:solidFill>
+                  <a:srgbClr val="000000"/>
+                </a:solidFill>
+                <a:latin typeface="Times New Roman" panose="02020603050405020304" pitchFamily="18" charset="0"/>
+                <a:cs typeface="Times New Roman" panose="02020603050405020304" pitchFamily="18" charset="0"/>
+              </a:rPr>
+              <a:t>đổi</a:t>
+            </a:r>
+            <a:r>
+              <a:rPr lang="en-US" sz="2000" b="0" i="0" u="none" strike="noStrike" baseline="0" dirty="0">
+                <a:solidFill>
+                  <a:srgbClr val="000000"/>
+                </a:solidFill>
+                <a:latin typeface="Times New Roman" panose="02020603050405020304" pitchFamily="18" charset="0"/>
+                <a:cs typeface="Times New Roman" panose="02020603050405020304" pitchFamily="18" charset="0"/>
+              </a:rPr>
+              <a:t> </a:t>
+            </a:r>
+            <a:r>
+              <a:rPr lang="en-US" sz="2000" b="0" i="0" u="none" strike="noStrike" baseline="0" dirty="0" err="1">
+                <a:solidFill>
+                  <a:srgbClr val="000000"/>
+                </a:solidFill>
+                <a:latin typeface="Times New Roman" panose="02020603050405020304" pitchFamily="18" charset="0"/>
+                <a:cs typeface="Times New Roman" panose="02020603050405020304" pitchFamily="18" charset="0"/>
+              </a:rPr>
+              <a:t>cấu</a:t>
+            </a:r>
+            <a:r>
+              <a:rPr lang="en-US" sz="2000" b="0" i="0" u="none" strike="noStrike" baseline="0" dirty="0">
+                <a:solidFill>
+                  <a:srgbClr val="000000"/>
+                </a:solidFill>
+                <a:latin typeface="Times New Roman" panose="02020603050405020304" pitchFamily="18" charset="0"/>
+                <a:cs typeface="Times New Roman" panose="02020603050405020304" pitchFamily="18" charset="0"/>
+              </a:rPr>
+              <a:t> </a:t>
+            </a:r>
+            <a:r>
+              <a:rPr lang="en-US" sz="2000" b="0" i="0" u="none" strike="noStrike" baseline="0" dirty="0" err="1">
+                <a:solidFill>
+                  <a:srgbClr val="000000"/>
+                </a:solidFill>
+                <a:latin typeface="Times New Roman" panose="02020603050405020304" pitchFamily="18" charset="0"/>
+                <a:cs typeface="Times New Roman" panose="02020603050405020304" pitchFamily="18" charset="0"/>
+              </a:rPr>
+              <a:t>trúc</a:t>
+            </a:r>
+            <a:r>
+              <a:rPr lang="en-US" sz="2000" b="0" i="0" u="none" strike="noStrike" baseline="0" dirty="0">
+                <a:solidFill>
+                  <a:srgbClr val="000000"/>
+                </a:solidFill>
+                <a:latin typeface="Times New Roman" panose="02020603050405020304" pitchFamily="18" charset="0"/>
+                <a:cs typeface="Times New Roman" panose="02020603050405020304" pitchFamily="18" charset="0"/>
+              </a:rPr>
+              <a:t>… </a:t>
+            </a:r>
+          </a:p>
+          <a:p>
+            <a:endParaRPr lang="vi-VN" sz="2000" b="0" i="0" u="none" strike="noStrike" baseline="0" dirty="0">
+              <a:solidFill>
+                <a:srgbClr val="000000"/>
+              </a:solidFill>
+              <a:latin typeface="Times New Roman" panose="02020603050405020304" pitchFamily="18" charset="0"/>
+              <a:cs typeface="Times New Roman" panose="02020603050405020304" pitchFamily="18" charset="0"/>
+            </a:endParaRPr>
+          </a:p>
+        </p:txBody>
+      </p:sp>
+      <p:sp>
+        <p:nvSpPr>
+          <p:cNvPr id="5" name="TextBox 4">
+            <a:extLst>
+              <a:ext uri="{FF2B5EF4-FFF2-40B4-BE49-F238E27FC236}">
+                <a16:creationId xmlns:a16="http://schemas.microsoft.com/office/drawing/2014/main" id="{6EB5F2F7-3229-4F3B-B33E-C5A0D5E06504}"/>
+              </a:ext>
+            </a:extLst>
+          </p:cNvPr>
+          <p:cNvSpPr txBox="1"/>
+          <p:nvPr/>
+        </p:nvSpPr>
+        <p:spPr>
+          <a:xfrm>
+            <a:off x="457200" y="2514600"/>
+            <a:ext cx="11125200" cy="3785652"/>
+          </a:xfrm>
+          <a:prstGeom prst="rect">
+            <a:avLst/>
+          </a:prstGeom>
+          <a:noFill/>
+        </p:spPr>
+        <p:txBody>
+          <a:bodyPr wrap="square">
+            <a:spAutoFit/>
+          </a:bodyPr>
+          <a:lstStyle/>
+          <a:p>
+            <a:r>
+              <a:rPr lang="en-US" sz="2000" b="1" i="0" u="none" strike="noStrike" baseline="0" dirty="0" err="1">
+                <a:solidFill>
+                  <a:srgbClr val="000000"/>
+                </a:solidFill>
+                <a:latin typeface="Times New Roman" panose="02020603050405020304" pitchFamily="18" charset="0"/>
+                <a:cs typeface="Times New Roman" panose="02020603050405020304" pitchFamily="18" charset="0"/>
+              </a:rPr>
+              <a:t>Cú</a:t>
+            </a:r>
+            <a:r>
+              <a:rPr lang="en-US" sz="2000" b="1" i="0" u="none" strike="noStrike" baseline="0" dirty="0">
+                <a:solidFill>
+                  <a:srgbClr val="000000"/>
+                </a:solidFill>
+                <a:latin typeface="Times New Roman" panose="02020603050405020304" pitchFamily="18" charset="0"/>
+                <a:cs typeface="Times New Roman" panose="02020603050405020304" pitchFamily="18" charset="0"/>
+              </a:rPr>
+              <a:t> </a:t>
+            </a:r>
+            <a:r>
+              <a:rPr lang="en-US" sz="2000" b="1" i="0" u="none" strike="noStrike" baseline="0" dirty="0" err="1">
+                <a:solidFill>
+                  <a:srgbClr val="000000"/>
+                </a:solidFill>
+                <a:latin typeface="Times New Roman" panose="02020603050405020304" pitchFamily="18" charset="0"/>
+                <a:cs typeface="Times New Roman" panose="02020603050405020304" pitchFamily="18" charset="0"/>
+              </a:rPr>
+              <a:t>pháp</a:t>
+            </a:r>
+            <a:r>
+              <a:rPr lang="en-US" sz="2000" b="1" i="0" u="none" strike="noStrike" baseline="0" dirty="0">
+                <a:solidFill>
+                  <a:srgbClr val="000000"/>
+                </a:solidFill>
+                <a:latin typeface="Times New Roman" panose="02020603050405020304" pitchFamily="18" charset="0"/>
+                <a:cs typeface="Times New Roman" panose="02020603050405020304" pitchFamily="18" charset="0"/>
+              </a:rPr>
+              <a:t> </a:t>
+            </a:r>
+            <a:r>
+              <a:rPr lang="en-US" sz="2000" b="1" i="0" u="none" strike="noStrike" baseline="0" dirty="0" err="1">
+                <a:solidFill>
+                  <a:srgbClr val="000000"/>
+                </a:solidFill>
+                <a:latin typeface="Times New Roman" panose="02020603050405020304" pitchFamily="18" charset="0"/>
+                <a:cs typeface="Times New Roman" panose="02020603050405020304" pitchFamily="18" charset="0"/>
+              </a:rPr>
+              <a:t>viết</a:t>
+            </a:r>
+            <a:r>
+              <a:rPr lang="en-US" sz="2000" b="1" i="0" u="none" strike="noStrike" baseline="0" dirty="0">
+                <a:solidFill>
+                  <a:srgbClr val="000000"/>
+                </a:solidFill>
+                <a:latin typeface="Times New Roman" panose="02020603050405020304" pitchFamily="18" charset="0"/>
+                <a:cs typeface="Times New Roman" panose="02020603050405020304" pitchFamily="18" charset="0"/>
+              </a:rPr>
+              <a:t> CSS: </a:t>
+            </a:r>
+            <a:endParaRPr lang="en-US" sz="2000" b="0" i="0" u="none" strike="noStrike" baseline="0" dirty="0">
+              <a:solidFill>
+                <a:srgbClr val="000000"/>
+              </a:solidFill>
+              <a:latin typeface="Times New Roman" panose="02020603050405020304" pitchFamily="18" charset="0"/>
+              <a:cs typeface="Times New Roman" panose="02020603050405020304" pitchFamily="18" charset="0"/>
+            </a:endParaRPr>
+          </a:p>
+          <a:p>
+            <a:r>
+              <a:rPr lang="en-US" sz="2000" b="0" i="0" u="none" strike="noStrike" baseline="0" dirty="0">
+                <a:solidFill>
+                  <a:srgbClr val="000000"/>
+                </a:solidFill>
+                <a:latin typeface="Times New Roman" panose="02020603050405020304" pitchFamily="18" charset="0"/>
+                <a:cs typeface="Times New Roman" panose="02020603050405020304" pitchFamily="18" charset="0"/>
+              </a:rPr>
+              <a:t>CSS </a:t>
+            </a:r>
+            <a:r>
+              <a:rPr lang="en-US" sz="2000" b="0" i="0" u="none" strike="noStrike" baseline="0" dirty="0" err="1">
+                <a:solidFill>
+                  <a:srgbClr val="000000"/>
+                </a:solidFill>
+                <a:latin typeface="Times New Roman" panose="02020603050405020304" pitchFamily="18" charset="0"/>
+                <a:cs typeface="Times New Roman" panose="02020603050405020304" pitchFamily="18" charset="0"/>
+              </a:rPr>
+              <a:t>gồm</a:t>
+            </a:r>
+            <a:r>
+              <a:rPr lang="en-US" sz="2000" b="0" i="0" u="none" strike="noStrike" baseline="0" dirty="0">
+                <a:solidFill>
+                  <a:srgbClr val="000000"/>
+                </a:solidFill>
+                <a:latin typeface="Times New Roman" panose="02020603050405020304" pitchFamily="18" charset="0"/>
+                <a:cs typeface="Times New Roman" panose="02020603050405020304" pitchFamily="18" charset="0"/>
+              </a:rPr>
+              <a:t> 3 </a:t>
+            </a:r>
+            <a:r>
+              <a:rPr lang="en-US" sz="2000" b="0" i="0" u="none" strike="noStrike" baseline="0" dirty="0" err="1">
+                <a:solidFill>
+                  <a:srgbClr val="000000"/>
+                </a:solidFill>
+                <a:latin typeface="Times New Roman" panose="02020603050405020304" pitchFamily="18" charset="0"/>
+                <a:cs typeface="Times New Roman" panose="02020603050405020304" pitchFamily="18" charset="0"/>
+              </a:rPr>
+              <a:t>phần</a:t>
+            </a:r>
+            <a:r>
+              <a:rPr lang="en-US" sz="2000" b="0" i="0" u="none" strike="noStrike" baseline="0" dirty="0">
+                <a:solidFill>
+                  <a:srgbClr val="000000"/>
+                </a:solidFill>
+                <a:latin typeface="Times New Roman" panose="02020603050405020304" pitchFamily="18" charset="0"/>
+                <a:cs typeface="Times New Roman" panose="02020603050405020304" pitchFamily="18" charset="0"/>
+              </a:rPr>
+              <a:t>: CSS selector (</a:t>
+            </a:r>
+            <a:r>
+              <a:rPr lang="en-US" sz="2000" b="0" i="0" u="none" strike="noStrike" baseline="0" dirty="0" err="1">
+                <a:solidFill>
+                  <a:srgbClr val="000000"/>
+                </a:solidFill>
+                <a:latin typeface="Times New Roman" panose="02020603050405020304" pitchFamily="18" charset="0"/>
+                <a:cs typeface="Times New Roman" panose="02020603050405020304" pitchFamily="18" charset="0"/>
+              </a:rPr>
+              <a:t>cách</a:t>
+            </a:r>
+            <a:r>
+              <a:rPr lang="en-US" sz="2000" b="0" i="0" u="none" strike="noStrike" baseline="0" dirty="0">
+                <a:solidFill>
+                  <a:srgbClr val="000000"/>
+                </a:solidFill>
+                <a:latin typeface="Times New Roman" panose="02020603050405020304" pitchFamily="18" charset="0"/>
+                <a:cs typeface="Times New Roman" panose="02020603050405020304" pitchFamily="18" charset="0"/>
+              </a:rPr>
+              <a:t> </a:t>
+            </a:r>
+            <a:r>
+              <a:rPr lang="en-US" sz="2000" b="0" i="0" u="none" strike="noStrike" baseline="0" dirty="0" err="1">
+                <a:solidFill>
+                  <a:srgbClr val="000000"/>
+                </a:solidFill>
+                <a:latin typeface="Times New Roman" panose="02020603050405020304" pitchFamily="18" charset="0"/>
+                <a:cs typeface="Times New Roman" panose="02020603050405020304" pitchFamily="18" charset="0"/>
+              </a:rPr>
+              <a:t>chúng</a:t>
+            </a:r>
+            <a:r>
+              <a:rPr lang="en-US" sz="2000" b="0" i="0" u="none" strike="noStrike" baseline="0" dirty="0">
+                <a:solidFill>
+                  <a:srgbClr val="000000"/>
+                </a:solidFill>
+                <a:latin typeface="Times New Roman" panose="02020603050405020304" pitchFamily="18" charset="0"/>
+                <a:cs typeface="Times New Roman" panose="02020603050405020304" pitchFamily="18" charset="0"/>
+              </a:rPr>
+              <a:t> ta </a:t>
+            </a:r>
+            <a:r>
+              <a:rPr lang="en-US" sz="2000" b="0" i="0" u="none" strike="noStrike" baseline="0" dirty="0" err="1">
+                <a:solidFill>
+                  <a:srgbClr val="000000"/>
+                </a:solidFill>
+                <a:latin typeface="Times New Roman" panose="02020603050405020304" pitchFamily="18" charset="0"/>
+                <a:cs typeface="Times New Roman" panose="02020603050405020304" pitchFamily="18" charset="0"/>
+              </a:rPr>
+              <a:t>chọn</a:t>
+            </a:r>
+            <a:r>
+              <a:rPr lang="en-US" sz="2000" b="0" i="0" u="none" strike="noStrike" baseline="0" dirty="0">
+                <a:solidFill>
+                  <a:srgbClr val="000000"/>
+                </a:solidFill>
+                <a:latin typeface="Times New Roman" panose="02020603050405020304" pitchFamily="18" charset="0"/>
+                <a:cs typeface="Times New Roman" panose="02020603050405020304" pitchFamily="18" charset="0"/>
+              </a:rPr>
+              <a:t> ra </a:t>
+            </a:r>
+            <a:r>
+              <a:rPr lang="en-US" sz="2000" b="0" i="0" u="none" strike="noStrike" baseline="0" dirty="0" err="1">
+                <a:solidFill>
+                  <a:srgbClr val="000000"/>
+                </a:solidFill>
+                <a:latin typeface="Times New Roman" panose="02020603050405020304" pitchFamily="18" charset="0"/>
+                <a:cs typeface="Times New Roman" panose="02020603050405020304" pitchFamily="18" charset="0"/>
+              </a:rPr>
+              <a:t>phần</a:t>
+            </a:r>
+            <a:r>
+              <a:rPr lang="en-US" sz="2000" b="0" i="0" u="none" strike="noStrike" baseline="0" dirty="0">
+                <a:solidFill>
+                  <a:srgbClr val="000000"/>
+                </a:solidFill>
+                <a:latin typeface="Times New Roman" panose="02020603050405020304" pitchFamily="18" charset="0"/>
+                <a:cs typeface="Times New Roman" panose="02020603050405020304" pitchFamily="18" charset="0"/>
+              </a:rPr>
+              <a:t> </a:t>
+            </a:r>
+            <a:r>
+              <a:rPr lang="en-US" sz="2000" b="0" i="0" u="none" strike="noStrike" baseline="0" dirty="0" err="1">
+                <a:solidFill>
+                  <a:srgbClr val="000000"/>
+                </a:solidFill>
+                <a:latin typeface="Times New Roman" panose="02020603050405020304" pitchFamily="18" charset="0"/>
+                <a:cs typeface="Times New Roman" panose="02020603050405020304" pitchFamily="18" charset="0"/>
+              </a:rPr>
+              <a:t>tử</a:t>
+            </a:r>
+            <a:r>
+              <a:rPr lang="en-US" sz="2000" b="0" i="0" u="none" strike="noStrike" baseline="0" dirty="0">
+                <a:solidFill>
+                  <a:srgbClr val="000000"/>
+                </a:solidFill>
+                <a:latin typeface="Times New Roman" panose="02020603050405020304" pitchFamily="18" charset="0"/>
+                <a:cs typeface="Times New Roman" panose="02020603050405020304" pitchFamily="18" charset="0"/>
+              </a:rPr>
+              <a:t> HTML </a:t>
+            </a:r>
+            <a:r>
+              <a:rPr lang="en-US" sz="2000" b="0" i="0" u="none" strike="noStrike" baseline="0" dirty="0" err="1">
+                <a:solidFill>
+                  <a:srgbClr val="000000"/>
+                </a:solidFill>
+                <a:latin typeface="Times New Roman" panose="02020603050405020304" pitchFamily="18" charset="0"/>
+                <a:cs typeface="Times New Roman" panose="02020603050405020304" pitchFamily="18" charset="0"/>
+              </a:rPr>
+              <a:t>sẽ</a:t>
+            </a:r>
+            <a:r>
+              <a:rPr lang="en-US" sz="2000" b="0" i="0" u="none" strike="noStrike" baseline="0" dirty="0">
+                <a:solidFill>
+                  <a:srgbClr val="000000"/>
+                </a:solidFill>
+                <a:latin typeface="Times New Roman" panose="02020603050405020304" pitchFamily="18" charset="0"/>
+                <a:cs typeface="Times New Roman" panose="02020603050405020304" pitchFamily="18" charset="0"/>
+              </a:rPr>
+              <a:t> </a:t>
+            </a:r>
+            <a:r>
+              <a:rPr lang="en-US" sz="2000" b="0" i="0" u="none" strike="noStrike" baseline="0" dirty="0" err="1">
+                <a:solidFill>
+                  <a:srgbClr val="000000"/>
+                </a:solidFill>
+                <a:latin typeface="Times New Roman" panose="02020603050405020304" pitchFamily="18" charset="0"/>
+                <a:cs typeface="Times New Roman" panose="02020603050405020304" pitchFamily="18" charset="0"/>
+              </a:rPr>
+              <a:t>áp</a:t>
+            </a:r>
+            <a:r>
+              <a:rPr lang="en-US" sz="2000" b="0" i="0" u="none" strike="noStrike" baseline="0" dirty="0">
+                <a:solidFill>
+                  <a:srgbClr val="000000"/>
+                </a:solidFill>
+                <a:latin typeface="Times New Roman" panose="02020603050405020304" pitchFamily="18" charset="0"/>
+                <a:cs typeface="Times New Roman" panose="02020603050405020304" pitchFamily="18" charset="0"/>
+              </a:rPr>
+              <a:t> </a:t>
+            </a:r>
+            <a:r>
+              <a:rPr lang="en-US" sz="2000" b="0" i="0" u="none" strike="noStrike" baseline="0" dirty="0" err="1">
+                <a:solidFill>
+                  <a:srgbClr val="000000"/>
+                </a:solidFill>
+                <a:latin typeface="Times New Roman" panose="02020603050405020304" pitchFamily="18" charset="0"/>
+                <a:cs typeface="Times New Roman" panose="02020603050405020304" pitchFamily="18" charset="0"/>
+              </a:rPr>
+              <a:t>dụng</a:t>
+            </a:r>
+            <a:r>
+              <a:rPr lang="en-US" sz="2000" b="0" i="0" u="none" strike="noStrike" baseline="0" dirty="0">
+                <a:solidFill>
+                  <a:srgbClr val="000000"/>
+                </a:solidFill>
+                <a:latin typeface="Times New Roman" panose="02020603050405020304" pitchFamily="18" charset="0"/>
+                <a:cs typeface="Times New Roman" panose="02020603050405020304" pitchFamily="18" charset="0"/>
+              </a:rPr>
+              <a:t> </a:t>
+            </a:r>
+            <a:r>
+              <a:rPr lang="en-US" sz="2000" b="0" i="0" u="none" strike="noStrike" baseline="0" dirty="0" err="1">
+                <a:solidFill>
+                  <a:srgbClr val="000000"/>
+                </a:solidFill>
+                <a:latin typeface="Times New Roman" panose="02020603050405020304" pitchFamily="18" charset="0"/>
+                <a:cs typeface="Times New Roman" panose="02020603050405020304" pitchFamily="18" charset="0"/>
+              </a:rPr>
+              <a:t>hiệu</a:t>
+            </a:r>
+            <a:r>
+              <a:rPr lang="en-US" sz="2000" b="0" i="0" u="none" strike="noStrike" baseline="0" dirty="0">
+                <a:solidFill>
+                  <a:srgbClr val="000000"/>
+                </a:solidFill>
+                <a:latin typeface="Times New Roman" panose="02020603050405020304" pitchFamily="18" charset="0"/>
+                <a:cs typeface="Times New Roman" panose="02020603050405020304" pitchFamily="18" charset="0"/>
+              </a:rPr>
+              <a:t> </a:t>
+            </a:r>
+            <a:r>
+              <a:rPr lang="en-US" sz="2000" b="0" i="0" u="none" strike="noStrike" baseline="0" dirty="0" err="1">
+                <a:solidFill>
+                  <a:srgbClr val="000000"/>
+                </a:solidFill>
+                <a:latin typeface="Times New Roman" panose="02020603050405020304" pitchFamily="18" charset="0"/>
+                <a:cs typeface="Times New Roman" panose="02020603050405020304" pitchFamily="18" charset="0"/>
+              </a:rPr>
+              <a:t>ứng</a:t>
+            </a:r>
+            <a:r>
+              <a:rPr lang="en-US" sz="2000" b="0" i="0" u="none" strike="noStrike" baseline="0" dirty="0">
+                <a:solidFill>
+                  <a:srgbClr val="000000"/>
+                </a:solidFill>
+                <a:latin typeface="Times New Roman" panose="02020603050405020304" pitchFamily="18" charset="0"/>
+                <a:cs typeface="Times New Roman" panose="02020603050405020304" pitchFamily="18" charset="0"/>
+              </a:rPr>
+              <a:t>), property (</a:t>
+            </a:r>
+            <a:r>
+              <a:rPr lang="en-US" sz="2000" b="0" i="0" u="none" strike="noStrike" baseline="0" dirty="0" err="1">
+                <a:solidFill>
+                  <a:srgbClr val="000000"/>
+                </a:solidFill>
+                <a:latin typeface="Times New Roman" panose="02020603050405020304" pitchFamily="18" charset="0"/>
+                <a:cs typeface="Times New Roman" panose="02020603050405020304" pitchFamily="18" charset="0"/>
+              </a:rPr>
+              <a:t>thuộc</a:t>
+            </a:r>
+            <a:r>
+              <a:rPr lang="en-US" sz="2000" b="0" i="0" u="none" strike="noStrike" baseline="0" dirty="0">
+                <a:solidFill>
+                  <a:srgbClr val="000000"/>
+                </a:solidFill>
+                <a:latin typeface="Times New Roman" panose="02020603050405020304" pitchFamily="18" charset="0"/>
+                <a:cs typeface="Times New Roman" panose="02020603050405020304" pitchFamily="18" charset="0"/>
+              </a:rPr>
+              <a:t> </a:t>
+            </a:r>
+            <a:r>
+              <a:rPr lang="en-US" sz="2000" b="0" i="0" u="none" strike="noStrike" baseline="0" dirty="0" err="1">
+                <a:solidFill>
+                  <a:srgbClr val="000000"/>
+                </a:solidFill>
+                <a:latin typeface="Times New Roman" panose="02020603050405020304" pitchFamily="18" charset="0"/>
+                <a:cs typeface="Times New Roman" panose="02020603050405020304" pitchFamily="18" charset="0"/>
+              </a:rPr>
+              <a:t>tính</a:t>
+            </a:r>
+            <a:r>
+              <a:rPr lang="en-US" sz="2000" b="0" i="0" u="none" strike="noStrike" baseline="0" dirty="0">
+                <a:solidFill>
+                  <a:srgbClr val="000000"/>
+                </a:solidFill>
+                <a:latin typeface="Times New Roman" panose="02020603050405020304" pitchFamily="18" charset="0"/>
+                <a:cs typeface="Times New Roman" panose="02020603050405020304" pitchFamily="18" charset="0"/>
+              </a:rPr>
+              <a:t> CSS), value (</a:t>
+            </a:r>
+            <a:r>
+              <a:rPr lang="en-US" sz="2000" b="0" i="0" u="none" strike="noStrike" baseline="0" dirty="0" err="1">
+                <a:solidFill>
+                  <a:srgbClr val="000000"/>
+                </a:solidFill>
+                <a:latin typeface="Times New Roman" panose="02020603050405020304" pitchFamily="18" charset="0"/>
+                <a:cs typeface="Times New Roman" panose="02020603050405020304" pitchFamily="18" charset="0"/>
+              </a:rPr>
+              <a:t>giá</a:t>
+            </a:r>
+            <a:r>
+              <a:rPr lang="en-US" sz="2000" b="0" i="0" u="none" strike="noStrike" baseline="0" dirty="0">
+                <a:solidFill>
+                  <a:srgbClr val="000000"/>
+                </a:solidFill>
+                <a:latin typeface="Times New Roman" panose="02020603050405020304" pitchFamily="18" charset="0"/>
+                <a:cs typeface="Times New Roman" panose="02020603050405020304" pitchFamily="18" charset="0"/>
+              </a:rPr>
+              <a:t> </a:t>
+            </a:r>
+            <a:r>
+              <a:rPr lang="en-US" sz="2000" b="0" i="0" u="none" strike="noStrike" baseline="0" dirty="0" err="1">
+                <a:solidFill>
+                  <a:srgbClr val="000000"/>
+                </a:solidFill>
+                <a:latin typeface="Times New Roman" panose="02020603050405020304" pitchFamily="18" charset="0"/>
+                <a:cs typeface="Times New Roman" panose="02020603050405020304" pitchFamily="18" charset="0"/>
+              </a:rPr>
+              <a:t>trị</a:t>
+            </a:r>
+            <a:r>
+              <a:rPr lang="en-US" sz="2000" b="0" i="0" u="none" strike="noStrike" baseline="0" dirty="0">
+                <a:solidFill>
+                  <a:srgbClr val="000000"/>
+                </a:solidFill>
+                <a:latin typeface="Times New Roman" panose="02020603050405020304" pitchFamily="18" charset="0"/>
+                <a:cs typeface="Times New Roman" panose="02020603050405020304" pitchFamily="18" charset="0"/>
+              </a:rPr>
+              <a:t> CSS). </a:t>
+            </a:r>
+          </a:p>
+          <a:p>
+            <a:r>
+              <a:rPr lang="vi-VN" sz="2000" b="0" i="0" u="none" strike="noStrike" baseline="0" dirty="0">
+                <a:solidFill>
+                  <a:srgbClr val="000000"/>
+                </a:solidFill>
+                <a:latin typeface="Times New Roman" panose="02020603050405020304" pitchFamily="18" charset="0"/>
+                <a:cs typeface="Times New Roman" panose="02020603050405020304" pitchFamily="18" charset="0"/>
+              </a:rPr>
+              <a:t>Khi chúng ta chèn CSS bằng cách 1 hoặc cách 3 chúng ta viết CSS như sau: </a:t>
+            </a:r>
+            <a:r>
+              <a:rPr lang="vi-VN" sz="2000" b="1" i="0" u="none" strike="noStrike" baseline="0" dirty="0">
+                <a:solidFill>
+                  <a:srgbClr val="000000"/>
+                </a:solidFill>
+                <a:latin typeface="Times New Roman" panose="02020603050405020304" pitchFamily="18" charset="0"/>
+                <a:cs typeface="Times New Roman" panose="02020603050405020304" pitchFamily="18" charset="0"/>
+              </a:rPr>
+              <a:t>css selector{property: value} </a:t>
+            </a:r>
+            <a:endParaRPr lang="vi-VN" sz="2000" b="0" i="0" u="none" strike="noStrike" baseline="0" dirty="0">
+              <a:solidFill>
+                <a:srgbClr val="000000"/>
+              </a:solidFill>
+              <a:latin typeface="Times New Roman" panose="02020603050405020304" pitchFamily="18" charset="0"/>
+              <a:cs typeface="Times New Roman" panose="02020603050405020304" pitchFamily="18" charset="0"/>
+            </a:endParaRPr>
+          </a:p>
+          <a:p>
+            <a:endParaRPr lang="en-US" sz="2000" b="0" i="0" u="none" strike="noStrike" baseline="0" dirty="0">
+              <a:solidFill>
+                <a:srgbClr val="000000"/>
+              </a:solidFill>
+              <a:latin typeface="Times New Roman" panose="02020603050405020304" pitchFamily="18" charset="0"/>
+              <a:cs typeface="Times New Roman" panose="02020603050405020304" pitchFamily="18" charset="0"/>
+            </a:endParaRPr>
+          </a:p>
+          <a:p>
+            <a:r>
+              <a:rPr lang="vi-VN" sz="2000" b="0" i="0" u="none" strike="noStrike" baseline="0" dirty="0">
+                <a:solidFill>
+                  <a:srgbClr val="000000"/>
+                </a:solidFill>
+                <a:latin typeface="Times New Roman" panose="02020603050405020304" pitchFamily="18" charset="0"/>
+                <a:cs typeface="Times New Roman" panose="02020603050405020304" pitchFamily="18" charset="0"/>
+              </a:rPr>
+              <a:t>Còn khi chúng ta chèn bằng cách 2 (trong thuộc tính style của phần tử HTML) chúng ta viết như sau: </a:t>
+            </a:r>
+            <a:r>
+              <a:rPr lang="vi-VN" sz="2000" b="1" i="0" u="none" strike="noStrike" baseline="0" dirty="0">
+                <a:solidFill>
+                  <a:srgbClr val="000000"/>
+                </a:solidFill>
+                <a:latin typeface="Times New Roman" panose="02020603050405020304" pitchFamily="18" charset="0"/>
+                <a:cs typeface="Times New Roman" panose="02020603050405020304" pitchFamily="18" charset="0"/>
+              </a:rPr>
+              <a:t>property:value </a:t>
+            </a:r>
+            <a:endParaRPr lang="vi-VN" sz="2000" b="0" i="0" u="none" strike="noStrike" baseline="0" dirty="0">
+              <a:solidFill>
+                <a:srgbClr val="000000"/>
+              </a:solidFill>
+              <a:latin typeface="Times New Roman" panose="02020603050405020304" pitchFamily="18" charset="0"/>
+              <a:cs typeface="Times New Roman" panose="02020603050405020304" pitchFamily="18" charset="0"/>
+            </a:endParaRPr>
+          </a:p>
+          <a:p>
+            <a:r>
+              <a:rPr lang="vi-VN" sz="2000" b="0" i="0" u="none" strike="noStrike" baseline="0" dirty="0">
+                <a:solidFill>
+                  <a:srgbClr val="000000"/>
+                </a:solidFill>
+                <a:latin typeface="Times New Roman" panose="02020603050405020304" pitchFamily="18" charset="0"/>
+                <a:cs typeface="Times New Roman" panose="02020603050405020304" pitchFamily="18" charset="0"/>
+              </a:rPr>
+              <a:t>Trong trường hợp có nhiều thuộc tính CSS thì các thuộc tính sẽ ngăn cách với nhau bằng dấu</a:t>
+            </a:r>
+            <a:r>
+              <a:rPr lang="vi-VN" sz="2000" b="1" i="0" u="none" strike="noStrike" baseline="0" dirty="0">
+                <a:solidFill>
+                  <a:srgbClr val="000000"/>
+                </a:solidFill>
+                <a:latin typeface="Times New Roman" panose="02020603050405020304" pitchFamily="18" charset="0"/>
+                <a:cs typeface="Times New Roman" panose="02020603050405020304" pitchFamily="18" charset="0"/>
+              </a:rPr>
+              <a:t>; </a:t>
+            </a:r>
+            <a:endParaRPr lang="en-US" sz="2000" b="1" i="0" u="none" strike="noStrike" baseline="0" dirty="0">
+              <a:solidFill>
+                <a:srgbClr val="000000"/>
+              </a:solidFill>
+              <a:latin typeface="Times New Roman" panose="02020603050405020304" pitchFamily="18" charset="0"/>
+              <a:cs typeface="Times New Roman" panose="02020603050405020304" pitchFamily="18" charset="0"/>
+            </a:endParaRPr>
+          </a:p>
+          <a:p>
+            <a:endParaRPr lang="en-US" sz="2000" b="1" i="0" u="none" strike="noStrike" baseline="0" dirty="0">
+              <a:solidFill>
+                <a:srgbClr val="000000"/>
+              </a:solidFill>
+              <a:latin typeface="Times New Roman" panose="02020603050405020304" pitchFamily="18" charset="0"/>
+              <a:cs typeface="Times New Roman" panose="02020603050405020304" pitchFamily="18" charset="0"/>
+            </a:endParaRPr>
+          </a:p>
+          <a:p>
+            <a:r>
+              <a:rPr lang="vi-VN" sz="2000" b="0" i="0" u="none" strike="noStrike" baseline="0" dirty="0">
+                <a:solidFill>
+                  <a:srgbClr val="000000"/>
+                </a:solidFill>
+                <a:latin typeface="Times New Roman" panose="02020603050405020304" pitchFamily="18" charset="0"/>
+              </a:rPr>
+              <a:t>Mỗi trang thường sẽ chứa một tập hợp kết nối đến các trang khác, các kết nối này được gọi là siêu liên kết. Mỗi trang web bạn thấy trên Internet sẽ sử dụng một phiên bản mã HTML này hoặc một phiên bản HTML khác. </a:t>
+            </a:r>
+            <a:endParaRPr lang="en-US" sz="2000" dirty="0">
+              <a:latin typeface="Times New Roman" panose="02020603050405020304" pitchFamily="18" charset="0"/>
+              <a:cs typeface="Times New Roman" panose="02020603050405020304" pitchFamily="18" charset="0"/>
+            </a:endParaRPr>
+          </a:p>
+        </p:txBody>
+      </p:sp>
+      <p:sp>
+        <p:nvSpPr>
+          <p:cNvPr id="6" name="TextBox 5">
+            <a:extLst>
+              <a:ext uri="{FF2B5EF4-FFF2-40B4-BE49-F238E27FC236}">
+                <a16:creationId xmlns:a16="http://schemas.microsoft.com/office/drawing/2014/main" id="{4E58E7DF-0AD5-4BAA-94F6-AA0BFE1F0151}"/>
+              </a:ext>
+            </a:extLst>
+          </p:cNvPr>
+          <p:cNvSpPr txBox="1"/>
+          <p:nvPr/>
+        </p:nvSpPr>
+        <p:spPr>
+          <a:xfrm>
+            <a:off x="152400" y="6629400"/>
+            <a:ext cx="2592056" cy="184666"/>
+          </a:xfrm>
+          <a:prstGeom prst="rect">
+            <a:avLst/>
+          </a:prstGeom>
+          <a:noFill/>
+        </p:spPr>
+        <p:txBody>
+          <a:bodyPr wrap="none" lIns="0" tIns="0" rIns="0" bIns="0" rtlCol="0">
+            <a:spAutoFit/>
+          </a:bodyPr>
+          <a:lstStyle/>
+          <a:p>
+            <a:r>
+              <a:rPr lang="en-US" sz="1200" dirty="0">
+                <a:latin typeface="#9Slide03 Montserrat Light" panose="00000400000000000000" pitchFamily="2" charset="0"/>
+              </a:rPr>
+              <a:t>|  </a:t>
+            </a:r>
+            <a:r>
+              <a:rPr lang="en-US" sz="1200" dirty="0" err="1">
+                <a:latin typeface="#9Slide03 Montserrat Light" panose="00000400000000000000" pitchFamily="2" charset="0"/>
+              </a:rPr>
+              <a:t>Xây</a:t>
+            </a:r>
+            <a:r>
+              <a:rPr lang="en-US" sz="1200" dirty="0">
+                <a:latin typeface="#9Slide03 Montserrat Light" panose="00000400000000000000" pitchFamily="2" charset="0"/>
+              </a:rPr>
+              <a:t> </a:t>
+            </a:r>
+            <a:r>
+              <a:rPr lang="en-US" sz="1200" dirty="0" err="1">
+                <a:latin typeface="#9Slide03 Montserrat Light" panose="00000400000000000000" pitchFamily="2" charset="0"/>
+              </a:rPr>
+              <a:t>dựng</a:t>
+            </a:r>
+            <a:r>
+              <a:rPr lang="en-US" sz="1200" dirty="0">
+                <a:latin typeface="#9Slide03 Montserrat Light" panose="00000400000000000000" pitchFamily="2" charset="0"/>
+              </a:rPr>
+              <a:t> Website </a:t>
+            </a:r>
+            <a:r>
+              <a:rPr lang="en-US" sz="1200" dirty="0" err="1">
+                <a:latin typeface="#9Slide03 Montserrat Light" panose="00000400000000000000" pitchFamily="2" charset="0"/>
+              </a:rPr>
+              <a:t>bán</a:t>
+            </a:r>
+            <a:r>
+              <a:rPr lang="en-US" sz="1200" dirty="0">
+                <a:latin typeface="#9Slide03 Montserrat Light" panose="00000400000000000000" pitchFamily="2" charset="0"/>
+              </a:rPr>
+              <a:t> </a:t>
+            </a:r>
+            <a:r>
+              <a:rPr lang="en-US" sz="1200" dirty="0" err="1">
+                <a:latin typeface="#9Slide03 Montserrat Light" panose="00000400000000000000" pitchFamily="2" charset="0"/>
+              </a:rPr>
+              <a:t>mỹ</a:t>
+            </a:r>
+            <a:r>
+              <a:rPr lang="en-US" sz="1200" dirty="0">
+                <a:latin typeface="#9Slide03 Montserrat Light" panose="00000400000000000000" pitchFamily="2" charset="0"/>
+              </a:rPr>
+              <a:t> </a:t>
+            </a:r>
+            <a:r>
+              <a:rPr lang="en-US" sz="1200" dirty="0" err="1">
+                <a:latin typeface="#9Slide03 Montserrat Light" panose="00000400000000000000" pitchFamily="2" charset="0"/>
+              </a:rPr>
+              <a:t>phẩm</a:t>
+            </a:r>
+            <a:endParaRPr lang="en-US" sz="1200" dirty="0">
+              <a:latin typeface="#9Slide03 Montserrat Light" panose="00000400000000000000" pitchFamily="2" charset="0"/>
+            </a:endParaRPr>
+          </a:p>
+        </p:txBody>
+      </p:sp>
+    </p:spTree>
+    <p:extLst>
+      <p:ext uri="{BB962C8B-B14F-4D97-AF65-F5344CB8AC3E}">
+        <p14:creationId xmlns:p14="http://schemas.microsoft.com/office/powerpoint/2010/main" val="2030465948"/>
+      </p:ext>
+    </p:extLst>
+  </p:cSld>
+  <p:clrMapOvr>
+    <a:masterClrMapping/>
+  </p:clrMapOvr>
+  <mc:AlternateContent xmlns:mc="http://schemas.openxmlformats.org/markup-compatibility/2006" xmlns:p14="http://schemas.microsoft.com/office/powerpoint/2010/main">
+    <mc:Choice Requires="p14">
+      <p:transition spd="med" p14:dur="700">
+        <p:fade/>
+      </p:transition>
+    </mc:Choice>
+    <mc:Fallback xmlns="">
+      <p:transition spd="med">
+        <p:fade/>
+      </p:transition>
+    </mc:Fallback>
+  </mc:AlternateContent>
+  <p:timing>
+    <p:tnLst>
+      <p:par>
+        <p:cTn id="1" dur="indefinite" restart="never" nodeType="tmRoot">
+          <p:childTnLst>
+            <p:seq concurrent="1" nextAc="seek">
+              <p:cTn id="2" dur="indefinite" nodeType="mainSeq">
+                <p:childTnLst>
+                  <p:par>
+                    <p:cTn id="3" fill="hold">
+                      <p:stCondLst>
+                        <p:cond delay="indefinite"/>
+                        <p:cond evt="onBegin" delay="0">
+                          <p:tn val="2"/>
+                        </p:cond>
+                      </p:stCondLst>
+                      <p:childTnLst>
+                        <p:par>
+                          <p:cTn id="4" fill="hold">
+                            <p:stCondLst>
+                              <p:cond delay="0"/>
+                            </p:stCondLst>
+                            <p:childTnLst>
+                              <p:par>
+                                <p:cTn id="5" presetID="10" presetClass="entr" presetSubtype="0" fill="hold" grpId="0" nodeType="withEffect">
+                                  <p:stCondLst>
+                                    <p:cond delay="1100"/>
+                                  </p:stCondLst>
+                                  <p:childTnLst>
+                                    <p:set>
+                                      <p:cBhvr>
+                                        <p:cTn id="6" dur="1" fill="hold">
+                                          <p:stCondLst>
+                                            <p:cond delay="0"/>
+                                          </p:stCondLst>
+                                        </p:cTn>
+                                        <p:tgtEl>
+                                          <p:spTgt spid="6"/>
+                                        </p:tgtEl>
+                                        <p:attrNameLst>
+                                          <p:attrName>style.visibility</p:attrName>
+                                        </p:attrNameLst>
+                                      </p:cBhvr>
+                                      <p:to>
+                                        <p:strVal val="visible"/>
+                                      </p:to>
+                                    </p:set>
+                                    <p:animEffect transition="in" filter="fade">
+                                      <p:cBhvr>
+                                        <p:cTn id="7" dur="500"/>
+                                        <p:tgtEl>
+                                          <p:spTgt spid="6"/>
+                                        </p:tgtEl>
+                                      </p:cBhvr>
+                                    </p:animEffect>
+                                  </p:childTnLst>
+                                </p:cTn>
+                              </p:par>
+                              <p:par>
+                                <p:cTn id="8" presetID="6" presetClass="emph" presetSubtype="0" fill="hold" grpId="1" nodeType="withEffect">
+                                  <p:stCondLst>
+                                    <p:cond delay="1100"/>
+                                  </p:stCondLst>
+                                  <p:childTnLst>
+                                    <p:animScale>
+                                      <p:cBhvr>
+                                        <p:cTn id="9" dur="10" fill="hold"/>
+                                        <p:tgtEl>
+                                          <p:spTgt spid="6"/>
+                                        </p:tgtEl>
+                                      </p:cBhvr>
+                                      <p:by x="125000" y="125000"/>
+                                    </p:animScale>
+                                  </p:childTnLst>
+                                </p:cTn>
+                              </p:par>
+                              <p:par>
+                                <p:cTn id="10" presetID="6" presetClass="emph" presetSubtype="0" decel="100000" fill="hold" grpId="2" nodeType="withEffect">
+                                  <p:stCondLst>
+                                    <p:cond delay="1100"/>
+                                  </p:stCondLst>
+                                  <p:childTnLst>
+                                    <p:animScale>
+                                      <p:cBhvr>
+                                        <p:cTn id="11" dur="750" fill="hold"/>
+                                        <p:tgtEl>
+                                          <p:spTgt spid="6"/>
+                                        </p:tgtEl>
+                                      </p:cBhvr>
+                                      <p:by x="80000" y="80000"/>
+                                    </p:animScale>
+                                  </p:childTnLst>
+                                </p:cTn>
+                              </p:par>
+                            </p:childTnLst>
+                          </p:cTn>
+                        </p:par>
+                      </p:childTnLst>
+                    </p:cTn>
+                  </p:par>
+                </p:childTnLst>
+              </p:cTn>
+              <p:prevCondLst>
+                <p:cond evt="onPrev" delay="0">
+                  <p:tgtEl>
+                    <p:sldTgt/>
+                  </p:tgtEl>
+                </p:cond>
+              </p:prevCondLst>
+              <p:nextCondLst>
+                <p:cond evt="onNext" delay="0">
+                  <p:tgtEl>
+                    <p:sldTgt/>
+                  </p:tgtEl>
+                </p:cond>
+              </p:nextCondLst>
+            </p:seq>
+          </p:childTnLst>
+        </p:cTn>
+      </p:par>
+    </p:tnLst>
+    <p:bldLst>
+      <p:bldP spid="6" grpId="0"/>
+      <p:bldP spid="6" grpId="1"/>
+      <p:bldP spid="6" grpId="2"/>
+    </p:bldLst>
+  </p:timing>
+</p:sld>
+</file>
+
+<file path=ppt/slides/slide13.xml><?xml version="1.0" encoding="utf-8"?>
+<p:sld xmlns:a="http://schemas.openxmlformats.org/drawingml/2006/main" xmlns:r="http://schemas.openxmlformats.org/officeDocument/2006/relationships" xmlns:p="http://schemas.openxmlformats.org/presentationml/2006/main">
+  <p:cSld>
+    <p:spTree>
+      <p:nvGrpSpPr>
+        <p:cNvPr id="1" name=""/>
+        <p:cNvGrpSpPr/>
+        <p:nvPr/>
+      </p:nvGrpSpPr>
+      <p:grpSpPr>
+        <a:xfrm>
+          <a:off x="0" y="0"/>
+          <a:ext cx="0" cy="0"/>
+          <a:chOff x="0" y="0"/>
+          <a:chExt cx="0" cy="0"/>
+        </a:xfrm>
+      </p:grpSpPr>
+      <p:sp>
+        <p:nvSpPr>
+          <p:cNvPr id="3" name="TextBox 2">
+            <a:extLst>
+              <a:ext uri="{FF2B5EF4-FFF2-40B4-BE49-F238E27FC236}">
+                <a16:creationId xmlns:a16="http://schemas.microsoft.com/office/drawing/2014/main" id="{5926940C-ED8F-48B7-9FBA-C4D817D0C1D1}"/>
+              </a:ext>
+            </a:extLst>
+          </p:cNvPr>
+          <p:cNvSpPr txBox="1"/>
+          <p:nvPr/>
+        </p:nvSpPr>
+        <p:spPr>
+          <a:xfrm>
+            <a:off x="419100" y="2710166"/>
+            <a:ext cx="11353800" cy="646331"/>
+          </a:xfrm>
+          <a:prstGeom prst="rect">
+            <a:avLst/>
+          </a:prstGeom>
+          <a:noFill/>
+        </p:spPr>
+        <p:txBody>
+          <a:bodyPr wrap="square">
+            <a:spAutoFit/>
+          </a:bodyPr>
+          <a:lstStyle/>
+          <a:p>
+            <a:pPr algn="l"/>
+            <a:endParaRPr lang="en-US" sz="1600" b="0" i="0" u="none" strike="noStrike" baseline="0" dirty="0">
+              <a:solidFill>
+                <a:srgbClr val="000000"/>
+              </a:solidFill>
+              <a:latin typeface="Times New Roman" panose="02020603050405020304" pitchFamily="18" charset="0"/>
+            </a:endParaRPr>
+          </a:p>
+          <a:p>
+            <a:r>
+              <a:rPr lang="vi-VN" sz="2000" b="0" i="0" u="none" strike="noStrike" baseline="0" dirty="0">
+                <a:solidFill>
+                  <a:srgbClr val="000000"/>
+                </a:solidFill>
+                <a:latin typeface="Times New Roman" panose="02020603050405020304" pitchFamily="18" charset="0"/>
+              </a:rPr>
+              <a:t>Nodejs tạo ra được các ứng dụng có tốc độ xử lý nhanh, realtime thời gian thực. </a:t>
+            </a:r>
+          </a:p>
+        </p:txBody>
+      </p:sp>
+      <p:sp>
+        <p:nvSpPr>
+          <p:cNvPr id="5" name="TextBox 4">
+            <a:extLst>
+              <a:ext uri="{FF2B5EF4-FFF2-40B4-BE49-F238E27FC236}">
+                <a16:creationId xmlns:a16="http://schemas.microsoft.com/office/drawing/2014/main" id="{B2A9130C-C2B3-4EF1-B678-723F427CA213}"/>
+              </a:ext>
+            </a:extLst>
+          </p:cNvPr>
+          <p:cNvSpPr txBox="1"/>
+          <p:nvPr/>
+        </p:nvSpPr>
+        <p:spPr>
+          <a:xfrm>
+            <a:off x="399221" y="4572000"/>
+            <a:ext cx="11506200" cy="1569660"/>
+          </a:xfrm>
+          <a:prstGeom prst="rect">
+            <a:avLst/>
+          </a:prstGeom>
+          <a:noFill/>
+        </p:spPr>
+        <p:txBody>
+          <a:bodyPr wrap="square">
+            <a:spAutoFit/>
+          </a:bodyPr>
+          <a:lstStyle/>
+          <a:p>
+            <a:pPr algn="l"/>
+            <a:endParaRPr lang="en-US" sz="1600" b="0" i="0" u="none" strike="noStrike" baseline="0" dirty="0">
+              <a:solidFill>
+                <a:srgbClr val="000000"/>
+              </a:solidFill>
+              <a:latin typeface="Times New Roman" panose="02020603050405020304" pitchFamily="18" charset="0"/>
+            </a:endParaRPr>
+          </a:p>
+          <a:p>
+            <a:pPr algn="l"/>
+            <a:r>
+              <a:rPr lang="vi-VN" sz="2000" b="0" i="0" u="none" strike="noStrike" baseline="0" dirty="0">
+                <a:solidFill>
+                  <a:srgbClr val="000000"/>
+                </a:solidFill>
+                <a:latin typeface="Times New Roman" panose="02020603050405020304" pitchFamily="18" charset="0"/>
+              </a:rPr>
+              <a:t>Nodejs áp dụng cho các sản phẩm có lượng truy cập lớn, cần mở rộng nhanh, cần đổi mới công nghệ, hoặc tạo ra các dự án Startup nhanh nhất có thể JavaScript cho phép thiết kế web responsive – tối ưu trên cả máy tính và thiết bị di động chỉ với một bộ mã. </a:t>
+            </a:r>
+          </a:p>
+          <a:p>
+            <a:endParaRPr lang="vi-VN" sz="2000" b="0" i="0" u="none" strike="noStrike" baseline="0" dirty="0">
+              <a:solidFill>
+                <a:srgbClr val="000000"/>
+              </a:solidFill>
+              <a:latin typeface="Times New Roman" panose="02020603050405020304" pitchFamily="18" charset="0"/>
+            </a:endParaRPr>
+          </a:p>
+        </p:txBody>
+      </p:sp>
+      <p:sp>
+        <p:nvSpPr>
+          <p:cNvPr id="6" name="TextBox 5">
+            <a:extLst>
+              <a:ext uri="{FF2B5EF4-FFF2-40B4-BE49-F238E27FC236}">
+                <a16:creationId xmlns:a16="http://schemas.microsoft.com/office/drawing/2014/main" id="{75019EA5-0D34-4BE8-A9B2-289B81FA3EA2}"/>
+              </a:ext>
+            </a:extLst>
+          </p:cNvPr>
+          <p:cNvSpPr txBox="1"/>
+          <p:nvPr/>
+        </p:nvSpPr>
+        <p:spPr>
+          <a:xfrm>
+            <a:off x="381000" y="287076"/>
+            <a:ext cx="11201399" cy="2616101"/>
+          </a:xfrm>
+          <a:prstGeom prst="rect">
+            <a:avLst/>
+          </a:prstGeom>
+          <a:noFill/>
+        </p:spPr>
+        <p:txBody>
+          <a:bodyPr wrap="square">
+            <a:spAutoFit/>
+          </a:bodyPr>
+          <a:lstStyle/>
+          <a:p>
+            <a:r>
+              <a:rPr lang="en-US" sz="2400" b="1" i="0" u="none" strike="noStrike" baseline="0" dirty="0" err="1">
+                <a:solidFill>
+                  <a:srgbClr val="000000"/>
+                </a:solidFill>
+                <a:latin typeface="Times New Roman" panose="02020603050405020304" pitchFamily="18" charset="0"/>
+              </a:rPr>
+              <a:t>Giới</a:t>
+            </a:r>
+            <a:r>
+              <a:rPr lang="en-US" sz="2400" b="1" i="0" u="none" strike="noStrike" baseline="0" dirty="0">
+                <a:solidFill>
+                  <a:srgbClr val="000000"/>
+                </a:solidFill>
+                <a:latin typeface="Times New Roman" panose="02020603050405020304" pitchFamily="18" charset="0"/>
+              </a:rPr>
+              <a:t> </a:t>
+            </a:r>
+            <a:r>
+              <a:rPr lang="en-US" sz="2400" b="1" i="0" u="none" strike="noStrike" baseline="0" dirty="0" err="1">
+                <a:solidFill>
+                  <a:srgbClr val="000000"/>
+                </a:solidFill>
+                <a:latin typeface="Times New Roman" panose="02020603050405020304" pitchFamily="18" charset="0"/>
+              </a:rPr>
+              <a:t>thiệu</a:t>
+            </a:r>
+            <a:r>
+              <a:rPr lang="en-US" sz="2400" b="1" i="0" u="none" strike="noStrike" baseline="0" dirty="0">
+                <a:solidFill>
+                  <a:srgbClr val="000000"/>
+                </a:solidFill>
+                <a:latin typeface="Times New Roman" panose="02020603050405020304" pitchFamily="18" charset="0"/>
+              </a:rPr>
+              <a:t> </a:t>
+            </a:r>
+            <a:r>
+              <a:rPr lang="en-US" sz="2400" b="1" i="0" u="none" strike="noStrike" baseline="0" dirty="0" err="1">
+                <a:solidFill>
+                  <a:srgbClr val="000000"/>
+                </a:solidFill>
+                <a:latin typeface="Times New Roman" panose="02020603050405020304" pitchFamily="18" charset="0"/>
+              </a:rPr>
+              <a:t>về</a:t>
+            </a:r>
+            <a:r>
+              <a:rPr lang="en-US" sz="2400" b="1" i="0" u="none" strike="noStrike" baseline="0" dirty="0">
+                <a:solidFill>
+                  <a:srgbClr val="000000"/>
+                </a:solidFill>
+                <a:latin typeface="Times New Roman" panose="02020603050405020304" pitchFamily="18" charset="0"/>
+              </a:rPr>
+              <a:t> Nodejs: </a:t>
+            </a:r>
+          </a:p>
+          <a:p>
+            <a:r>
+              <a:rPr lang="vi-VN" sz="2000" b="0" i="0" u="none" strike="noStrike" baseline="0" dirty="0">
+                <a:solidFill>
+                  <a:srgbClr val="000000"/>
+                </a:solidFill>
+                <a:latin typeface="Times New Roman" panose="02020603050405020304" pitchFamily="18" charset="0"/>
+              </a:rPr>
+              <a:t>Nodejs, được xây dựng dựa trên Chrome's V8 JavaScript Engine, là một môi trường thực thi mã nguồn mở, hỗ trợ việc xây dựng ứng dụng mạng có khả năng mở rộng cao. JavaScript thường được nhúng trực tiếp vào một trang web hoặc được tham chiếu qua file .js riêng. </a:t>
+            </a:r>
+            <a:endParaRPr lang="en-US" sz="2000" b="0" i="0" u="none" strike="noStrike" baseline="0" dirty="0">
+              <a:solidFill>
+                <a:srgbClr val="000000"/>
+              </a:solidFill>
+              <a:latin typeface="Times New Roman" panose="02020603050405020304" pitchFamily="18" charset="0"/>
+            </a:endParaRPr>
+          </a:p>
+          <a:p>
+            <a:endParaRPr lang="en-US" sz="2000" dirty="0">
+              <a:solidFill>
+                <a:srgbClr val="000000"/>
+              </a:solidFill>
+              <a:latin typeface="Times New Roman" panose="02020603050405020304" pitchFamily="18" charset="0"/>
+            </a:endParaRPr>
+          </a:p>
+          <a:p>
+            <a:endParaRPr lang="en-US" sz="2000" b="0" i="0" u="none" strike="noStrike" baseline="0" dirty="0">
+              <a:solidFill>
+                <a:srgbClr val="000000"/>
+              </a:solidFill>
+              <a:latin typeface="Times New Roman" panose="02020603050405020304" pitchFamily="18" charset="0"/>
+            </a:endParaRPr>
+          </a:p>
+          <a:p>
+            <a:endParaRPr lang="en-US" sz="2000" dirty="0">
+              <a:solidFill>
+                <a:srgbClr val="000000"/>
+              </a:solidFill>
+              <a:latin typeface="Times New Roman" panose="02020603050405020304" pitchFamily="18" charset="0"/>
+            </a:endParaRPr>
+          </a:p>
+          <a:p>
+            <a:endParaRPr lang="en-US" sz="2000" dirty="0"/>
+          </a:p>
+        </p:txBody>
+      </p:sp>
+      <p:sp>
+        <p:nvSpPr>
+          <p:cNvPr id="7" name="TextBox 6">
+            <a:extLst>
+              <a:ext uri="{FF2B5EF4-FFF2-40B4-BE49-F238E27FC236}">
+                <a16:creationId xmlns:a16="http://schemas.microsoft.com/office/drawing/2014/main" id="{F8C46B07-1D9B-4846-B119-A7F7109EB551}"/>
+              </a:ext>
+            </a:extLst>
+          </p:cNvPr>
+          <p:cNvSpPr txBox="1"/>
+          <p:nvPr/>
+        </p:nvSpPr>
+        <p:spPr>
+          <a:xfrm>
+            <a:off x="399221" y="1692255"/>
+            <a:ext cx="11201399" cy="954107"/>
+          </a:xfrm>
+          <a:prstGeom prst="rect">
+            <a:avLst/>
+          </a:prstGeom>
+          <a:noFill/>
+        </p:spPr>
+        <p:txBody>
+          <a:bodyPr wrap="square">
+            <a:spAutoFit/>
+          </a:bodyPr>
+          <a:lstStyle/>
+          <a:p>
+            <a:pPr algn="l"/>
+            <a:endParaRPr lang="en-US" sz="1600" b="0" i="0" u="none" strike="noStrike" baseline="0" dirty="0">
+              <a:solidFill>
+                <a:srgbClr val="000000"/>
+              </a:solidFill>
+              <a:latin typeface="Times New Roman" panose="02020603050405020304" pitchFamily="18" charset="0"/>
+            </a:endParaRPr>
+          </a:p>
+          <a:p>
+            <a:r>
+              <a:rPr lang="vi-VN" sz="2000" b="0" i="0" u="none" strike="noStrike" baseline="0" dirty="0">
+                <a:solidFill>
+                  <a:srgbClr val="1B1B1B"/>
+                </a:solidFill>
+                <a:latin typeface="Times New Roman" panose="02020603050405020304" pitchFamily="18" charset="0"/>
+              </a:rPr>
+              <a:t>Nodejs là một </a:t>
+            </a:r>
+            <a:r>
+              <a:rPr lang="vi-VN" sz="2000" b="1" i="0" u="none" strike="noStrike" baseline="0" dirty="0">
+                <a:solidFill>
+                  <a:srgbClr val="1B1B1B"/>
+                </a:solidFill>
+                <a:latin typeface="Times New Roman" panose="02020603050405020304" pitchFamily="18" charset="0"/>
+              </a:rPr>
+              <a:t>nền tảng </a:t>
+            </a:r>
+            <a:r>
+              <a:rPr lang="vi-VN" sz="2000" b="0" i="0" u="none" strike="noStrike" baseline="0" dirty="0">
+                <a:solidFill>
+                  <a:srgbClr val="1B1B1B"/>
+                </a:solidFill>
+                <a:latin typeface="Times New Roman" panose="02020603050405020304" pitchFamily="18" charset="0"/>
+              </a:rPr>
+              <a:t>(Platform) phát triển độc lập được xây dựng ở trên Javascript Runtime của Chrome mà chúng ta có thể xây dựng được các ứng dụng mạng một cách nhanh chóng và dễ dàng mở rộng. </a:t>
+            </a:r>
+          </a:p>
+        </p:txBody>
+      </p:sp>
+      <p:sp>
+        <p:nvSpPr>
+          <p:cNvPr id="8" name="TextBox 7">
+            <a:extLst>
+              <a:ext uri="{FF2B5EF4-FFF2-40B4-BE49-F238E27FC236}">
+                <a16:creationId xmlns:a16="http://schemas.microsoft.com/office/drawing/2014/main" id="{142F96C7-F002-4886-80DA-D00473DF06F5}"/>
+              </a:ext>
+            </a:extLst>
+          </p:cNvPr>
+          <p:cNvSpPr txBox="1"/>
+          <p:nvPr/>
+        </p:nvSpPr>
+        <p:spPr>
+          <a:xfrm>
+            <a:off x="419100" y="3368741"/>
+            <a:ext cx="11201398" cy="954107"/>
+          </a:xfrm>
+          <a:prstGeom prst="rect">
+            <a:avLst/>
+          </a:prstGeom>
+          <a:noFill/>
+        </p:spPr>
+        <p:txBody>
+          <a:bodyPr wrap="square">
+            <a:spAutoFit/>
+          </a:bodyPr>
+          <a:lstStyle/>
+          <a:p>
+            <a:pPr algn="l"/>
+            <a:endParaRPr lang="en-US" sz="1600" b="0" i="0" u="none" strike="noStrike" baseline="0" dirty="0">
+              <a:solidFill>
+                <a:srgbClr val="000000"/>
+              </a:solidFill>
+              <a:latin typeface="Times New Roman" panose="02020603050405020304" pitchFamily="18" charset="0"/>
+            </a:endParaRPr>
+          </a:p>
+          <a:p>
+            <a:r>
+              <a:rPr lang="vi-VN" sz="2000" b="0" i="0" u="none" strike="noStrike" baseline="0" dirty="0">
+                <a:solidFill>
+                  <a:srgbClr val="1B1B1B"/>
+                </a:solidFill>
+                <a:latin typeface="Times New Roman" panose="02020603050405020304" pitchFamily="18" charset="0"/>
+              </a:rPr>
+              <a:t>Phần Core bên dưới của Nodejs được viết hầu hết bằng C++ nên cho tốc độ xử lý và hiệu năng khá cao </a:t>
+            </a:r>
+            <a:r>
+              <a:rPr lang="vi-VN" sz="2000" b="0" i="0" u="none" strike="noStrike" baseline="0" dirty="0">
+                <a:solidFill>
+                  <a:srgbClr val="000000"/>
+                </a:solidFill>
+                <a:latin typeface="Times New Roman" panose="02020603050405020304" pitchFamily="18" charset="0"/>
+              </a:rPr>
+              <a:t>Viết mã phía máy chủ </a:t>
+            </a:r>
+          </a:p>
+        </p:txBody>
+      </p:sp>
+      <p:sp>
+        <p:nvSpPr>
+          <p:cNvPr id="9" name="TextBox 8">
+            <a:extLst>
+              <a:ext uri="{FF2B5EF4-FFF2-40B4-BE49-F238E27FC236}">
+                <a16:creationId xmlns:a16="http://schemas.microsoft.com/office/drawing/2014/main" id="{B8E60A31-958A-45DA-8DDE-6169C5278010}"/>
+              </a:ext>
+            </a:extLst>
+          </p:cNvPr>
+          <p:cNvSpPr txBox="1"/>
+          <p:nvPr/>
+        </p:nvSpPr>
+        <p:spPr>
+          <a:xfrm>
+            <a:off x="152400" y="6570924"/>
+            <a:ext cx="2592056" cy="184666"/>
+          </a:xfrm>
+          <a:prstGeom prst="rect">
+            <a:avLst/>
+          </a:prstGeom>
+          <a:noFill/>
+        </p:spPr>
+        <p:txBody>
+          <a:bodyPr wrap="none" lIns="0" tIns="0" rIns="0" bIns="0" rtlCol="0">
+            <a:spAutoFit/>
+          </a:bodyPr>
+          <a:lstStyle/>
+          <a:p>
+            <a:r>
+              <a:rPr lang="en-US" sz="1200" dirty="0">
+                <a:latin typeface="#9Slide03 Montserrat Light" panose="00000400000000000000" pitchFamily="2" charset="0"/>
+              </a:rPr>
+              <a:t>|  </a:t>
+            </a:r>
+            <a:r>
+              <a:rPr lang="en-US" sz="1200" dirty="0" err="1">
+                <a:latin typeface="#9Slide03 Montserrat Light" panose="00000400000000000000" pitchFamily="2" charset="0"/>
+              </a:rPr>
+              <a:t>Xây</a:t>
+            </a:r>
+            <a:r>
+              <a:rPr lang="en-US" sz="1200" dirty="0">
+                <a:latin typeface="#9Slide03 Montserrat Light" panose="00000400000000000000" pitchFamily="2" charset="0"/>
+              </a:rPr>
+              <a:t> </a:t>
+            </a:r>
+            <a:r>
+              <a:rPr lang="en-US" sz="1200" dirty="0" err="1">
+                <a:latin typeface="#9Slide03 Montserrat Light" panose="00000400000000000000" pitchFamily="2" charset="0"/>
+              </a:rPr>
+              <a:t>dựng</a:t>
+            </a:r>
+            <a:r>
+              <a:rPr lang="en-US" sz="1200" dirty="0">
+                <a:latin typeface="#9Slide03 Montserrat Light" panose="00000400000000000000" pitchFamily="2" charset="0"/>
+              </a:rPr>
+              <a:t> Website </a:t>
+            </a:r>
+            <a:r>
+              <a:rPr lang="en-US" sz="1200" dirty="0" err="1">
+                <a:latin typeface="#9Slide03 Montserrat Light" panose="00000400000000000000" pitchFamily="2" charset="0"/>
+              </a:rPr>
+              <a:t>bán</a:t>
+            </a:r>
+            <a:r>
+              <a:rPr lang="en-US" sz="1200" dirty="0">
+                <a:latin typeface="#9Slide03 Montserrat Light" panose="00000400000000000000" pitchFamily="2" charset="0"/>
+              </a:rPr>
+              <a:t> </a:t>
+            </a:r>
+            <a:r>
+              <a:rPr lang="en-US" sz="1200" dirty="0" err="1">
+                <a:latin typeface="#9Slide03 Montserrat Light" panose="00000400000000000000" pitchFamily="2" charset="0"/>
+              </a:rPr>
+              <a:t>mỹ</a:t>
+            </a:r>
+            <a:r>
+              <a:rPr lang="en-US" sz="1200" dirty="0">
+                <a:latin typeface="#9Slide03 Montserrat Light" panose="00000400000000000000" pitchFamily="2" charset="0"/>
+              </a:rPr>
+              <a:t> </a:t>
+            </a:r>
+            <a:r>
+              <a:rPr lang="en-US" sz="1200" dirty="0" err="1">
+                <a:latin typeface="#9Slide03 Montserrat Light" panose="00000400000000000000" pitchFamily="2" charset="0"/>
+              </a:rPr>
+              <a:t>phẩm</a:t>
+            </a:r>
+            <a:endParaRPr lang="en-US" sz="1200" dirty="0">
+              <a:latin typeface="#9Slide03 Montserrat Light" panose="00000400000000000000" pitchFamily="2" charset="0"/>
+            </a:endParaRPr>
+          </a:p>
+        </p:txBody>
+      </p:sp>
+    </p:spTree>
+    <p:extLst>
+      <p:ext uri="{BB962C8B-B14F-4D97-AF65-F5344CB8AC3E}">
+        <p14:creationId xmlns:p14="http://schemas.microsoft.com/office/powerpoint/2010/main" val="1005831123"/>
+      </p:ext>
+    </p:extLst>
+  </p:cSld>
+  <p:clrMapOvr>
+    <a:masterClrMapping/>
+  </p:clrMapOvr>
+  <mc:AlternateContent xmlns:mc="http://schemas.openxmlformats.org/markup-compatibility/2006" xmlns:p14="http://schemas.microsoft.com/office/powerpoint/2010/main">
+    <mc:Choice Requires="p14">
+      <p:transition spd="med" p14:dur="700">
+        <p:fade/>
+      </p:transition>
+    </mc:Choice>
+    <mc:Fallback xmlns="">
+      <p:transition spd="med">
+        <p:fade/>
+      </p:transition>
+    </mc:Fallback>
+  </mc:AlternateContent>
+  <p:timing>
+    <p:tnLst>
+      <p:par>
+        <p:cTn id="1" dur="indefinite" restart="never" nodeType="tmRoot">
+          <p:childTnLst>
+            <p:seq concurrent="1" nextAc="seek">
+              <p:cTn id="2" dur="indefinite" nodeType="mainSeq">
+                <p:childTnLst>
+                  <p:par>
+                    <p:cTn id="3" fill="hold">
+                      <p:stCondLst>
+                        <p:cond delay="indefinite"/>
+                        <p:cond evt="onBegin" delay="0">
+                          <p:tn val="2"/>
+                        </p:cond>
+                      </p:stCondLst>
+                      <p:childTnLst>
+                        <p:par>
+                          <p:cTn id="4" fill="hold">
+                            <p:stCondLst>
+                              <p:cond delay="0"/>
+                            </p:stCondLst>
+                            <p:childTnLst>
+                              <p:par>
+                                <p:cTn id="5" presetID="10" presetClass="entr" presetSubtype="0" fill="hold" grpId="0" nodeType="withEffect">
+                                  <p:stCondLst>
+                                    <p:cond delay="1100"/>
+                                  </p:stCondLst>
+                                  <p:childTnLst>
+                                    <p:set>
+                                      <p:cBhvr>
+                                        <p:cTn id="6" dur="1" fill="hold">
+                                          <p:stCondLst>
+                                            <p:cond delay="0"/>
+                                          </p:stCondLst>
+                                        </p:cTn>
+                                        <p:tgtEl>
+                                          <p:spTgt spid="9"/>
+                                        </p:tgtEl>
+                                        <p:attrNameLst>
+                                          <p:attrName>style.visibility</p:attrName>
+                                        </p:attrNameLst>
+                                      </p:cBhvr>
+                                      <p:to>
+                                        <p:strVal val="visible"/>
+                                      </p:to>
+                                    </p:set>
+                                    <p:animEffect transition="in" filter="fade">
+                                      <p:cBhvr>
+                                        <p:cTn id="7" dur="500"/>
+                                        <p:tgtEl>
+                                          <p:spTgt spid="9"/>
+                                        </p:tgtEl>
+                                      </p:cBhvr>
+                                    </p:animEffect>
+                                  </p:childTnLst>
+                                </p:cTn>
+                              </p:par>
+                              <p:par>
+                                <p:cTn id="8" presetID="6" presetClass="emph" presetSubtype="0" fill="hold" grpId="1" nodeType="withEffect">
+                                  <p:stCondLst>
+                                    <p:cond delay="1100"/>
+                                  </p:stCondLst>
+                                  <p:childTnLst>
+                                    <p:animScale>
+                                      <p:cBhvr>
+                                        <p:cTn id="9" dur="10" fill="hold"/>
+                                        <p:tgtEl>
+                                          <p:spTgt spid="9"/>
+                                        </p:tgtEl>
+                                      </p:cBhvr>
+                                      <p:by x="125000" y="125000"/>
+                                    </p:animScale>
+                                  </p:childTnLst>
+                                </p:cTn>
+                              </p:par>
+                              <p:par>
+                                <p:cTn id="10" presetID="6" presetClass="emph" presetSubtype="0" decel="100000" fill="hold" grpId="2" nodeType="withEffect">
+                                  <p:stCondLst>
+                                    <p:cond delay="1100"/>
+                                  </p:stCondLst>
+                                  <p:childTnLst>
+                                    <p:animScale>
+                                      <p:cBhvr>
+                                        <p:cTn id="11" dur="750" fill="hold"/>
+                                        <p:tgtEl>
+                                          <p:spTgt spid="9"/>
+                                        </p:tgtEl>
+                                      </p:cBhvr>
+                                      <p:by x="80000" y="80000"/>
+                                    </p:animScale>
+                                  </p:childTnLst>
+                                </p:cTn>
+                              </p:par>
+                            </p:childTnLst>
+                          </p:cTn>
+                        </p:par>
+                      </p:childTnLst>
+                    </p:cTn>
+                  </p:par>
+                </p:childTnLst>
+              </p:cTn>
+              <p:prevCondLst>
+                <p:cond evt="onPrev" delay="0">
+                  <p:tgtEl>
+                    <p:sldTgt/>
+                  </p:tgtEl>
+                </p:cond>
+              </p:prevCondLst>
+              <p:nextCondLst>
+                <p:cond evt="onNext" delay="0">
+                  <p:tgtEl>
+                    <p:sldTgt/>
+                  </p:tgtEl>
+                </p:cond>
+              </p:nextCondLst>
+            </p:seq>
+          </p:childTnLst>
+        </p:cTn>
+      </p:par>
+    </p:tnLst>
+    <p:bldLst>
+      <p:bldP spid="9" grpId="0"/>
+      <p:bldP spid="9" grpId="1"/>
+      <p:bldP spid="9" grpId="2"/>
+    </p:bldLst>
+  </p:timing>
+</p:sld>
+</file>
+
+<file path=ppt/slides/slide14.xml><?xml version="1.0" encoding="utf-8"?>
 <p:sld xmlns:a="http://schemas.openxmlformats.org/drawingml/2006/main" xmlns:r="http://schemas.openxmlformats.org/officeDocument/2006/relationships" xmlns:p="http://schemas.openxmlformats.org/presentationml/2006/main">
   <p:cSld>
     <p:spTree>
@@ -6508,8 +9247,8 @@
         </p:nvSpPr>
         <p:spPr>
           <a:xfrm>
-            <a:off x="1959824" y="828976"/>
-            <a:ext cx="6248400" cy="1107996"/>
+            <a:off x="986043" y="999964"/>
+            <a:ext cx="9704249" cy="738664"/>
           </a:xfrm>
           <a:prstGeom prst="rect">
             <a:avLst/>
@@ -6998,8 +9737,8 @@
         </p:nvSpPr>
         <p:spPr>
           <a:xfrm>
-            <a:off x="1828800" y="1903607"/>
-            <a:ext cx="8299174" cy="4585871"/>
+            <a:off x="890449" y="1820665"/>
+            <a:ext cx="10901157" cy="4678204"/>
           </a:xfrm>
           <a:prstGeom prst="rect">
             <a:avLst/>
@@ -7019,7 +9758,24 @@
                 </a:solidFill>
                 <a:latin typeface="Times New Roman" panose="02020603050405020304" pitchFamily="18" charset="0"/>
               </a:rPr>
-              <a:t>Hướng phát triển </a:t>
+              <a:t>Hướng phát triển</a:t>
+            </a:r>
+            <a:endParaRPr lang="en-US" sz="2800" b="1" i="0" u="none" strike="noStrike" baseline="0" dirty="0">
+              <a:solidFill>
+                <a:srgbClr val="000000"/>
+              </a:solidFill>
+              <a:latin typeface="Times New Roman" panose="02020603050405020304" pitchFamily="18" charset="0"/>
+            </a:endParaRPr>
+          </a:p>
+          <a:p>
+            <a:r>
+              <a:rPr lang="vi-VN" sz="2800" b="1" i="0" u="none" strike="noStrike" baseline="0" dirty="0">
+                <a:solidFill>
+                  <a:srgbClr val="000000"/>
+                </a:solidFill>
+                <a:latin typeface="Times New Roman" panose="02020603050405020304" pitchFamily="18" charset="0"/>
+              </a:rPr>
+              <a:t> </a:t>
             </a:r>
             <a:endParaRPr lang="vi-VN" sz="2800" b="0" i="0" u="none" strike="noStrike" baseline="0" dirty="0">
               <a:solidFill>
@@ -7049,6 +9805,33 @@
               </a:rPr>
               <a:t>thêm các chức năng mới để tạo ra trải nghiệm mua sắm trực tuyến trơn tru và thuận </a:t>
             </a:r>
+            <a:r>
+              <a:rPr lang="en-US" sz="2200" b="0" i="0" u="none" strike="noStrike" baseline="0" dirty="0" err="1">
+                <a:solidFill>
+                  <a:srgbClr val="000000"/>
+                </a:solidFill>
+                <a:latin typeface="Times New Roman" panose="02020603050405020304" pitchFamily="18" charset="0"/>
+              </a:rPr>
+              <a:t>lợi</a:t>
+            </a:r>
+            <a:r>
+              <a:rPr lang="en-US" sz="2200" b="0" i="0" u="none" strike="noStrike" baseline="0" dirty="0">
+                <a:solidFill>
+                  <a:srgbClr val="000000"/>
+                </a:solidFill>
+                <a:latin typeface="Times New Roman" panose="02020603050405020304" pitchFamily="18" charset="0"/>
+              </a:rPr>
+              <a:t> </a:t>
+            </a:r>
+            <a:r>
+              <a:rPr lang="en-US" sz="2200" b="0" i="0" u="none" strike="noStrike" baseline="0" dirty="0" err="1">
+                <a:solidFill>
+                  <a:srgbClr val="000000"/>
+                </a:solidFill>
+                <a:latin typeface="Times New Roman" panose="02020603050405020304" pitchFamily="18" charset="0"/>
+              </a:rPr>
+              <a:t>hơn</a:t>
+            </a:r>
             <a:endParaRPr lang="en-US" sz="2200" b="0" i="0" u="none" strike="noStrike" baseline="0" dirty="0">
               <a:solidFill>
                 <a:srgbClr val="000000"/>
@@ -7057,258 +9840,12 @@
             </a:endParaRPr>
           </a:p>
           <a:p>
-            <a:r>
-              <a:rPr lang="en-US" sz="2200" b="0" i="0" u="none" strike="noStrike" baseline="0" dirty="0" err="1">
-                <a:solidFill>
-                  <a:srgbClr val="000000"/>
-                </a:solidFill>
-                <a:latin typeface="Times New Roman" panose="02020603050405020304" pitchFamily="18" charset="0"/>
-              </a:rPr>
-              <a:t>Mở</a:t>
-            </a:r>
-            <a:r>
-              <a:rPr lang="en-US" sz="2200" b="0" i="0" u="none" strike="noStrike" baseline="0" dirty="0">
-                <a:solidFill>
-                  <a:srgbClr val="000000"/>
-                </a:solidFill>
-                <a:latin typeface="Times New Roman" panose="02020603050405020304" pitchFamily="18" charset="0"/>
-              </a:rPr>
-              <a:t> </a:t>
-            </a:r>
-            <a:r>
-              <a:rPr lang="en-US" sz="2200" b="0" i="0" u="none" strike="noStrike" baseline="0" dirty="0" err="1">
-                <a:solidFill>
-                  <a:srgbClr val="000000"/>
-                </a:solidFill>
-                <a:latin typeface="Times New Roman" panose="02020603050405020304" pitchFamily="18" charset="0"/>
-              </a:rPr>
-              <a:t>Rộng</a:t>
-            </a:r>
-            <a:r>
-              <a:rPr lang="en-US" sz="2200" b="0" i="0" u="none" strike="noStrike" baseline="0" dirty="0">
-                <a:solidFill>
-                  <a:srgbClr val="000000"/>
-                </a:solidFill>
-                <a:latin typeface="Times New Roman" panose="02020603050405020304" pitchFamily="18" charset="0"/>
-              </a:rPr>
-              <a:t> </a:t>
-            </a:r>
-            <a:r>
-              <a:rPr lang="en-US" sz="2200" b="0" i="0" u="none" strike="noStrike" baseline="0" dirty="0" err="1">
-                <a:solidFill>
-                  <a:srgbClr val="000000"/>
-                </a:solidFill>
-                <a:latin typeface="Times New Roman" panose="02020603050405020304" pitchFamily="18" charset="0"/>
-              </a:rPr>
-              <a:t>Danh</a:t>
-            </a:r>
-            <a:r>
-              <a:rPr lang="en-US" sz="2200" b="0" i="0" u="none" strike="noStrike" baseline="0" dirty="0">
-                <a:solidFill>
-                  <a:srgbClr val="000000"/>
-                </a:solidFill>
-                <a:latin typeface="Times New Roman" panose="02020603050405020304" pitchFamily="18" charset="0"/>
-              </a:rPr>
-              <a:t> </a:t>
-            </a:r>
-            <a:r>
-              <a:rPr lang="en-US" sz="2200" b="0" i="0" u="none" strike="noStrike" baseline="0" dirty="0" err="1">
-                <a:solidFill>
-                  <a:srgbClr val="000000"/>
-                </a:solidFill>
-                <a:latin typeface="Times New Roman" panose="02020603050405020304" pitchFamily="18" charset="0"/>
-              </a:rPr>
-              <a:t>Mục</a:t>
-            </a:r>
-            <a:r>
-              <a:rPr lang="en-US" sz="2200" b="0" i="0" u="none" strike="noStrike" baseline="0" dirty="0">
-                <a:solidFill>
-                  <a:srgbClr val="000000"/>
-                </a:solidFill>
-                <a:latin typeface="Times New Roman" panose="02020603050405020304" pitchFamily="18" charset="0"/>
-              </a:rPr>
-              <a:t> </a:t>
-            </a:r>
-            <a:r>
-              <a:rPr lang="en-US" sz="2200" b="0" i="0" u="none" strike="noStrike" baseline="0" dirty="0" err="1">
-                <a:solidFill>
-                  <a:srgbClr val="000000"/>
-                </a:solidFill>
-                <a:latin typeface="Times New Roman" panose="02020603050405020304" pitchFamily="18" charset="0"/>
-              </a:rPr>
-              <a:t>Sản</a:t>
-            </a:r>
-            <a:r>
-              <a:rPr lang="en-US" sz="2200" b="0" i="0" u="none" strike="noStrike" baseline="0" dirty="0">
-                <a:solidFill>
-                  <a:srgbClr val="000000"/>
-                </a:solidFill>
-                <a:latin typeface="Times New Roman" panose="02020603050405020304" pitchFamily="18" charset="0"/>
-              </a:rPr>
-              <a:t> </a:t>
-            </a:r>
-            <a:r>
-              <a:rPr lang="en-US" sz="2200" b="0" i="0" u="none" strike="noStrike" baseline="0" dirty="0" err="1">
-                <a:solidFill>
-                  <a:srgbClr val="000000"/>
-                </a:solidFill>
-                <a:latin typeface="Times New Roman" panose="02020603050405020304" pitchFamily="18" charset="0"/>
-              </a:rPr>
-              <a:t>Phẩm</a:t>
-            </a:r>
-            <a:r>
-              <a:rPr lang="en-US" sz="2200" b="0" i="0" u="none" strike="noStrike" baseline="0" dirty="0">
-                <a:solidFill>
-                  <a:srgbClr val="000000"/>
-                </a:solidFill>
-                <a:latin typeface="Times New Roman" panose="02020603050405020304" pitchFamily="18" charset="0"/>
-              </a:rPr>
-              <a:t>: </a:t>
-            </a:r>
-            <a:r>
-              <a:rPr lang="en-US" sz="2200" b="0" i="0" u="none" strike="noStrike" baseline="0" dirty="0" err="1">
-                <a:solidFill>
-                  <a:srgbClr val="000000"/>
-                </a:solidFill>
-                <a:latin typeface="Times New Roman" panose="02020603050405020304" pitchFamily="18" charset="0"/>
-              </a:rPr>
-              <a:t>Thêm</a:t>
-            </a:r>
-            <a:r>
-              <a:rPr lang="en-US" sz="2200" b="0" i="0" u="none" strike="noStrike" baseline="0" dirty="0">
-                <a:solidFill>
-                  <a:srgbClr val="000000"/>
-                </a:solidFill>
-                <a:latin typeface="Times New Roman" panose="02020603050405020304" pitchFamily="18" charset="0"/>
-              </a:rPr>
-              <a:t> </a:t>
-            </a:r>
-            <a:r>
-              <a:rPr lang="en-US" sz="2200" b="0" i="0" u="none" strike="noStrike" baseline="0" dirty="0" err="1">
-                <a:solidFill>
-                  <a:srgbClr val="000000"/>
-                </a:solidFill>
-                <a:latin typeface="Times New Roman" panose="02020603050405020304" pitchFamily="18" charset="0"/>
-              </a:rPr>
-              <a:t>vào</a:t>
-            </a:r>
-            <a:r>
-              <a:rPr lang="en-US" sz="2200" b="0" i="0" u="none" strike="noStrike" baseline="0" dirty="0">
-                <a:solidFill>
-                  <a:srgbClr val="000000"/>
-                </a:solidFill>
-                <a:latin typeface="Times New Roman" panose="02020603050405020304" pitchFamily="18" charset="0"/>
-              </a:rPr>
-              <a:t> </a:t>
-            </a:r>
-            <a:r>
-              <a:rPr lang="en-US" sz="2200" b="0" i="0" u="none" strike="noStrike" baseline="0" dirty="0" err="1">
-                <a:solidFill>
-                  <a:srgbClr val="000000"/>
-                </a:solidFill>
-                <a:latin typeface="Times New Roman" panose="02020603050405020304" pitchFamily="18" charset="0"/>
-              </a:rPr>
-              <a:t>danh</a:t>
-            </a:r>
-            <a:r>
-              <a:rPr lang="en-US" sz="2200" b="0" i="0" u="none" strike="noStrike" baseline="0" dirty="0">
-                <a:solidFill>
-                  <a:srgbClr val="000000"/>
-                </a:solidFill>
-                <a:latin typeface="Times New Roman" panose="02020603050405020304" pitchFamily="18" charset="0"/>
-              </a:rPr>
-              <a:t> </a:t>
-            </a:r>
-            <a:r>
-              <a:rPr lang="en-US" sz="2200" b="0" i="0" u="none" strike="noStrike" baseline="0" dirty="0" err="1">
-                <a:solidFill>
-                  <a:srgbClr val="000000"/>
-                </a:solidFill>
-                <a:latin typeface="Times New Roman" panose="02020603050405020304" pitchFamily="18" charset="0"/>
-              </a:rPr>
-              <a:t>mục</a:t>
-            </a:r>
-            <a:r>
-              <a:rPr lang="en-US" sz="2200" b="0" i="0" u="none" strike="noStrike" baseline="0" dirty="0">
-                <a:solidFill>
-                  <a:srgbClr val="000000"/>
-                </a:solidFill>
-                <a:latin typeface="Times New Roman" panose="02020603050405020304" pitchFamily="18" charset="0"/>
-              </a:rPr>
-              <a:t> </a:t>
-            </a:r>
-            <a:r>
-              <a:rPr lang="en-US" sz="2200" b="0" i="0" u="none" strike="noStrike" baseline="0" dirty="0" err="1">
-                <a:solidFill>
-                  <a:srgbClr val="000000"/>
-                </a:solidFill>
-                <a:latin typeface="Times New Roman" panose="02020603050405020304" pitchFamily="18" charset="0"/>
-              </a:rPr>
-              <a:t>sản</a:t>
-            </a:r>
-            <a:r>
-              <a:rPr lang="en-US" sz="2200" b="0" i="0" u="none" strike="noStrike" baseline="0" dirty="0">
-                <a:solidFill>
-                  <a:srgbClr val="000000"/>
-                </a:solidFill>
-                <a:latin typeface="Times New Roman" panose="02020603050405020304" pitchFamily="18" charset="0"/>
-              </a:rPr>
-              <a:t> </a:t>
-            </a:r>
-            <a:r>
-              <a:rPr lang="en-US" sz="2200" b="0" i="0" u="none" strike="noStrike" baseline="0" dirty="0" err="1">
-                <a:solidFill>
-                  <a:srgbClr val="000000"/>
-                </a:solidFill>
-                <a:latin typeface="Times New Roman" panose="02020603050405020304" pitchFamily="18" charset="0"/>
-              </a:rPr>
-              <a:t>phẩm</a:t>
-            </a:r>
-            <a:r>
-              <a:rPr lang="en-US" sz="2200" b="0" i="0" u="none" strike="noStrike" baseline="0" dirty="0">
-                <a:solidFill>
-                  <a:srgbClr val="000000"/>
-                </a:solidFill>
-                <a:latin typeface="Times New Roman" panose="02020603050405020304" pitchFamily="18" charset="0"/>
-              </a:rPr>
-              <a:t> </a:t>
-            </a:r>
-            <a:r>
-              <a:rPr lang="en-US" sz="2200" b="0" i="0" u="none" strike="noStrike" baseline="0" dirty="0" err="1">
-                <a:solidFill>
-                  <a:srgbClr val="000000"/>
-                </a:solidFill>
-                <a:latin typeface="Times New Roman" panose="02020603050405020304" pitchFamily="18" charset="0"/>
-              </a:rPr>
-              <a:t>những</a:t>
-            </a:r>
-            <a:r>
-              <a:rPr lang="en-US" sz="2200" b="0" i="0" u="none" strike="noStrike" baseline="0" dirty="0">
-                <a:solidFill>
-                  <a:srgbClr val="000000"/>
-                </a:solidFill>
-                <a:latin typeface="Times New Roman" panose="02020603050405020304" pitchFamily="18" charset="0"/>
-              </a:rPr>
-              <a:t> </a:t>
-            </a:r>
-            <a:r>
-              <a:rPr lang="en-US" sz="2200" b="0" i="0" u="none" strike="noStrike" baseline="0" dirty="0" err="1">
-                <a:solidFill>
-                  <a:srgbClr val="000000"/>
-                </a:solidFill>
-                <a:latin typeface="Times New Roman" panose="02020603050405020304" pitchFamily="18" charset="0"/>
-              </a:rPr>
-              <a:t>loại</a:t>
-            </a:r>
-            <a:r>
-              <a:rPr lang="en-US" sz="2200" b="0" i="0" u="none" strike="noStrike" baseline="0" dirty="0">
-                <a:solidFill>
-                  <a:srgbClr val="000000"/>
-                </a:solidFill>
-                <a:latin typeface="Times New Roman" panose="02020603050405020304" pitchFamily="18" charset="0"/>
-              </a:rPr>
-              <a:t> </a:t>
-            </a:r>
+            <a:endParaRPr lang="en-US" sz="2200" b="0" i="0" u="none" strike="noStrike" baseline="0" dirty="0">
+              <a:solidFill>
+                <a:srgbClr val="000000"/>
+              </a:solidFill>
+              <a:latin typeface="Times New Roman" panose="02020603050405020304" pitchFamily="18" charset="0"/>
+            </a:endParaRPr>
           </a:p>
           <a:p>
             <a:r>
@@ -7318,6 +9855,258 @@
                 </a:solidFill>
                 <a:latin typeface="Times New Roman" panose="02020603050405020304" pitchFamily="18" charset="0"/>
               </a:rPr>
+              <a:t>Mở</a:t>
+            </a:r>
+            <a:r>
+              <a:rPr lang="en-US" sz="2200" b="0" i="0" u="none" strike="noStrike" baseline="0" dirty="0">
+                <a:solidFill>
+                  <a:srgbClr val="000000"/>
+                </a:solidFill>
+                <a:latin typeface="Times New Roman" panose="02020603050405020304" pitchFamily="18" charset="0"/>
+              </a:rPr>
+              <a:t> </a:t>
+            </a:r>
+            <a:r>
+              <a:rPr lang="en-US" sz="2200" b="0" i="0" u="none" strike="noStrike" baseline="0" dirty="0" err="1">
+                <a:solidFill>
+                  <a:srgbClr val="000000"/>
+                </a:solidFill>
+                <a:latin typeface="Times New Roman" panose="02020603050405020304" pitchFamily="18" charset="0"/>
+              </a:rPr>
+              <a:t>Rộng</a:t>
+            </a:r>
+            <a:r>
+              <a:rPr lang="en-US" sz="2200" b="0" i="0" u="none" strike="noStrike" baseline="0" dirty="0">
+                <a:solidFill>
+                  <a:srgbClr val="000000"/>
+                </a:solidFill>
+                <a:latin typeface="Times New Roman" panose="02020603050405020304" pitchFamily="18" charset="0"/>
+              </a:rPr>
+              <a:t> </a:t>
+            </a:r>
+            <a:r>
+              <a:rPr lang="en-US" sz="2200" b="0" i="0" u="none" strike="noStrike" baseline="0" dirty="0" err="1">
+                <a:solidFill>
+                  <a:srgbClr val="000000"/>
+                </a:solidFill>
+                <a:latin typeface="Times New Roman" panose="02020603050405020304" pitchFamily="18" charset="0"/>
+              </a:rPr>
+              <a:t>Danh</a:t>
+            </a:r>
+            <a:r>
+              <a:rPr lang="en-US" sz="2200" b="0" i="0" u="none" strike="noStrike" baseline="0" dirty="0">
+                <a:solidFill>
+                  <a:srgbClr val="000000"/>
+                </a:solidFill>
+                <a:latin typeface="Times New Roman" panose="02020603050405020304" pitchFamily="18" charset="0"/>
+              </a:rPr>
+              <a:t> </a:t>
+            </a:r>
+            <a:r>
+              <a:rPr lang="en-US" sz="2200" b="0" i="0" u="none" strike="noStrike" baseline="0" dirty="0" err="1">
+                <a:solidFill>
+                  <a:srgbClr val="000000"/>
+                </a:solidFill>
+                <a:latin typeface="Times New Roman" panose="02020603050405020304" pitchFamily="18" charset="0"/>
+              </a:rPr>
+              <a:t>Mục</a:t>
+            </a:r>
+            <a:r>
+              <a:rPr lang="en-US" sz="2200" b="0" i="0" u="none" strike="noStrike" baseline="0" dirty="0">
+                <a:solidFill>
+                  <a:srgbClr val="000000"/>
+                </a:solidFill>
+                <a:latin typeface="Times New Roman" panose="02020603050405020304" pitchFamily="18" charset="0"/>
+              </a:rPr>
+              <a:t> </a:t>
+            </a:r>
+            <a:r>
+              <a:rPr lang="en-US" sz="2200" b="0" i="0" u="none" strike="noStrike" baseline="0" dirty="0" err="1">
+                <a:solidFill>
+                  <a:srgbClr val="000000"/>
+                </a:solidFill>
+                <a:latin typeface="Times New Roman" panose="02020603050405020304" pitchFamily="18" charset="0"/>
+              </a:rPr>
+              <a:t>Sản</a:t>
+            </a:r>
+            <a:r>
+              <a:rPr lang="en-US" sz="2200" b="0" i="0" u="none" strike="noStrike" baseline="0" dirty="0">
+                <a:solidFill>
+                  <a:srgbClr val="000000"/>
+                </a:solidFill>
+                <a:latin typeface="Times New Roman" panose="02020603050405020304" pitchFamily="18" charset="0"/>
+              </a:rPr>
+              <a:t> </a:t>
+            </a:r>
+            <a:r>
+              <a:rPr lang="en-US" sz="2200" b="0" i="0" u="none" strike="noStrike" baseline="0" dirty="0" err="1">
+                <a:solidFill>
+                  <a:srgbClr val="000000"/>
+                </a:solidFill>
+                <a:latin typeface="Times New Roman" panose="02020603050405020304" pitchFamily="18" charset="0"/>
+              </a:rPr>
+              <a:t>Phẩm</a:t>
+            </a:r>
+            <a:r>
+              <a:rPr lang="en-US" sz="2200" b="0" i="0" u="none" strike="noStrike" baseline="0" dirty="0">
+                <a:solidFill>
+                  <a:srgbClr val="000000"/>
+                </a:solidFill>
+                <a:latin typeface="Times New Roman" panose="02020603050405020304" pitchFamily="18" charset="0"/>
+              </a:rPr>
+              <a:t>: </a:t>
+            </a:r>
+            <a:r>
+              <a:rPr lang="en-US" sz="2200" b="0" i="0" u="none" strike="noStrike" baseline="0" dirty="0" err="1">
+                <a:solidFill>
+                  <a:srgbClr val="000000"/>
+                </a:solidFill>
+                <a:latin typeface="Times New Roman" panose="02020603050405020304" pitchFamily="18" charset="0"/>
+              </a:rPr>
+              <a:t>Thêm</a:t>
+            </a:r>
+            <a:r>
+              <a:rPr lang="en-US" sz="2200" b="0" i="0" u="none" strike="noStrike" baseline="0" dirty="0">
+                <a:solidFill>
+                  <a:srgbClr val="000000"/>
+                </a:solidFill>
+                <a:latin typeface="Times New Roman" panose="02020603050405020304" pitchFamily="18" charset="0"/>
+              </a:rPr>
+              <a:t> </a:t>
+            </a:r>
+            <a:r>
+              <a:rPr lang="en-US" sz="2200" b="0" i="0" u="none" strike="noStrike" baseline="0" dirty="0" err="1">
+                <a:solidFill>
+                  <a:srgbClr val="000000"/>
+                </a:solidFill>
+                <a:latin typeface="Times New Roman" panose="02020603050405020304" pitchFamily="18" charset="0"/>
+              </a:rPr>
+              <a:t>vào</a:t>
+            </a:r>
+            <a:r>
+              <a:rPr lang="en-US" sz="2200" b="0" i="0" u="none" strike="noStrike" baseline="0" dirty="0">
+                <a:solidFill>
+                  <a:srgbClr val="000000"/>
+                </a:solidFill>
+                <a:latin typeface="Times New Roman" panose="02020603050405020304" pitchFamily="18" charset="0"/>
+              </a:rPr>
+              <a:t> </a:t>
+            </a:r>
+            <a:r>
+              <a:rPr lang="en-US" sz="2200" b="0" i="0" u="none" strike="noStrike" baseline="0" dirty="0" err="1">
+                <a:solidFill>
+                  <a:srgbClr val="000000"/>
+                </a:solidFill>
+                <a:latin typeface="Times New Roman" panose="02020603050405020304" pitchFamily="18" charset="0"/>
+              </a:rPr>
+              <a:t>danh</a:t>
+            </a:r>
+            <a:r>
+              <a:rPr lang="en-US" sz="2200" b="0" i="0" u="none" strike="noStrike" baseline="0" dirty="0">
+                <a:solidFill>
+                  <a:srgbClr val="000000"/>
+                </a:solidFill>
+                <a:latin typeface="Times New Roman" panose="02020603050405020304" pitchFamily="18" charset="0"/>
+              </a:rPr>
+              <a:t> </a:t>
+            </a:r>
+            <a:r>
+              <a:rPr lang="en-US" sz="2200" b="0" i="0" u="none" strike="noStrike" baseline="0" dirty="0" err="1">
+                <a:solidFill>
+                  <a:srgbClr val="000000"/>
+                </a:solidFill>
+                <a:latin typeface="Times New Roman" panose="02020603050405020304" pitchFamily="18" charset="0"/>
+              </a:rPr>
+              <a:t>mục</a:t>
+            </a:r>
+            <a:r>
+              <a:rPr lang="en-US" sz="2200" b="0" i="0" u="none" strike="noStrike" baseline="0" dirty="0">
+                <a:solidFill>
+                  <a:srgbClr val="000000"/>
+                </a:solidFill>
+                <a:latin typeface="Times New Roman" panose="02020603050405020304" pitchFamily="18" charset="0"/>
+              </a:rPr>
+              <a:t> </a:t>
+            </a:r>
+            <a:r>
+              <a:rPr lang="en-US" sz="2200" b="0" i="0" u="none" strike="noStrike" baseline="0" dirty="0" err="1">
+                <a:solidFill>
+                  <a:srgbClr val="000000"/>
+                </a:solidFill>
+                <a:latin typeface="Times New Roman" panose="02020603050405020304" pitchFamily="18" charset="0"/>
+              </a:rPr>
+              <a:t>sản</a:t>
+            </a:r>
+            <a:r>
+              <a:rPr lang="en-US" sz="2200" b="0" i="0" u="none" strike="noStrike" baseline="0" dirty="0">
+                <a:solidFill>
+                  <a:srgbClr val="000000"/>
+                </a:solidFill>
+                <a:latin typeface="Times New Roman" panose="02020603050405020304" pitchFamily="18" charset="0"/>
+              </a:rPr>
+              <a:t> </a:t>
+            </a:r>
+            <a:r>
+              <a:rPr lang="en-US" sz="2200" b="0" i="0" u="none" strike="noStrike" baseline="0" dirty="0" err="1">
+                <a:solidFill>
+                  <a:srgbClr val="000000"/>
+                </a:solidFill>
+                <a:latin typeface="Times New Roman" panose="02020603050405020304" pitchFamily="18" charset="0"/>
+              </a:rPr>
+              <a:t>phẩm</a:t>
+            </a:r>
+            <a:r>
+              <a:rPr lang="en-US" sz="2200" b="0" i="0" u="none" strike="noStrike" baseline="0" dirty="0">
+                <a:solidFill>
+                  <a:srgbClr val="000000"/>
+                </a:solidFill>
+                <a:latin typeface="Times New Roman" panose="02020603050405020304" pitchFamily="18" charset="0"/>
+              </a:rPr>
+              <a:t> </a:t>
+            </a:r>
+            <a:r>
+              <a:rPr lang="en-US" sz="2200" b="0" i="0" u="none" strike="noStrike" baseline="0" dirty="0" err="1">
+                <a:solidFill>
+                  <a:srgbClr val="000000"/>
+                </a:solidFill>
+                <a:latin typeface="Times New Roman" panose="02020603050405020304" pitchFamily="18" charset="0"/>
+              </a:rPr>
+              <a:t>những</a:t>
+            </a:r>
+            <a:r>
+              <a:rPr lang="en-US" sz="2200" b="0" i="0" u="none" strike="noStrike" baseline="0" dirty="0">
+                <a:solidFill>
+                  <a:srgbClr val="000000"/>
+                </a:solidFill>
+                <a:latin typeface="Times New Roman" panose="02020603050405020304" pitchFamily="18" charset="0"/>
+              </a:rPr>
+              <a:t> </a:t>
+            </a:r>
+            <a:r>
+              <a:rPr lang="en-US" sz="2200" b="0" i="0" u="none" strike="noStrike" baseline="0" dirty="0" err="1">
+                <a:solidFill>
+                  <a:srgbClr val="000000"/>
+                </a:solidFill>
+                <a:latin typeface="Times New Roman" panose="02020603050405020304" pitchFamily="18" charset="0"/>
+              </a:rPr>
+              <a:t>loại</a:t>
+            </a:r>
+            <a:r>
+              <a:rPr lang="en-US" sz="2200" b="0" i="0" u="none" strike="noStrike" baseline="0" dirty="0">
+                <a:solidFill>
+                  <a:srgbClr val="000000"/>
+                </a:solidFill>
+                <a:latin typeface="Times New Roman" panose="02020603050405020304" pitchFamily="18" charset="0"/>
+              </a:rPr>
+              <a:t> </a:t>
+            </a:r>
+            <a:r>
+              <a:rPr lang="en-US" sz="2200" b="0" i="0" u="none" strike="noStrike" baseline="0" dirty="0" err="1">
+                <a:solidFill>
+                  <a:srgbClr val="000000"/>
+                </a:solidFill>
+                <a:latin typeface="Times New Roman" panose="02020603050405020304" pitchFamily="18" charset="0"/>
+              </a:rPr>
               <a:t>mới</a:t>
             </a:r>
             <a:r>
@@ -7529,252 +10318,258 @@
             </a:r>
           </a:p>
           <a:p>
-            <a:r>
-              <a:rPr lang="en-US" sz="2200" b="0" i="0" u="none" strike="noStrike" baseline="0" dirty="0">
-                <a:solidFill>
-                  <a:srgbClr val="000000"/>
-                </a:solidFill>
-                <a:latin typeface="Times New Roman" panose="02020603050405020304" pitchFamily="18" charset="0"/>
-              </a:rPr>
-              <a:t>+ </a:t>
-            </a:r>
-            <a:r>
-              <a:rPr lang="en-US" sz="2200" b="0" i="0" u="none" strike="noStrike" baseline="0" dirty="0" err="1">
-                <a:solidFill>
-                  <a:srgbClr val="000000"/>
-                </a:solidFill>
-                <a:latin typeface="Times New Roman" panose="02020603050405020304" pitchFamily="18" charset="0"/>
-              </a:rPr>
-              <a:t>Cải</a:t>
-            </a:r>
-            <a:r>
-              <a:rPr lang="en-US" sz="2200" b="0" i="0" u="none" strike="noStrike" baseline="0" dirty="0">
-                <a:solidFill>
-                  <a:srgbClr val="000000"/>
-                </a:solidFill>
-                <a:latin typeface="Times New Roman" panose="02020603050405020304" pitchFamily="18" charset="0"/>
-              </a:rPr>
-              <a:t> </a:t>
-            </a:r>
-            <a:r>
-              <a:rPr lang="en-US" sz="2200" b="0" i="0" u="none" strike="noStrike" baseline="0" dirty="0" err="1">
-                <a:solidFill>
-                  <a:srgbClr val="000000"/>
-                </a:solidFill>
-                <a:latin typeface="Times New Roman" panose="02020603050405020304" pitchFamily="18" charset="0"/>
-              </a:rPr>
-              <a:t>thiện</a:t>
-            </a:r>
-            <a:r>
-              <a:rPr lang="en-US" sz="2200" b="0" i="0" u="none" strike="noStrike" baseline="0" dirty="0">
-                <a:solidFill>
-                  <a:srgbClr val="000000"/>
-                </a:solidFill>
-                <a:latin typeface="Times New Roman" panose="02020603050405020304" pitchFamily="18" charset="0"/>
-              </a:rPr>
-              <a:t> </a:t>
-            </a:r>
-            <a:r>
-              <a:rPr lang="en-US" sz="2200" b="0" i="0" u="none" strike="noStrike" baseline="0" dirty="0" err="1">
-                <a:solidFill>
-                  <a:srgbClr val="000000"/>
-                </a:solidFill>
-                <a:latin typeface="Times New Roman" panose="02020603050405020304" pitchFamily="18" charset="0"/>
-              </a:rPr>
-              <a:t>những</a:t>
-            </a:r>
-            <a:r>
-              <a:rPr lang="en-US" sz="2200" b="0" i="0" u="none" strike="noStrike" baseline="0" dirty="0">
-                <a:solidFill>
-                  <a:srgbClr val="000000"/>
-                </a:solidFill>
-                <a:latin typeface="Times New Roman" panose="02020603050405020304" pitchFamily="18" charset="0"/>
-              </a:rPr>
-              <a:t> </a:t>
-            </a:r>
-            <a:r>
-              <a:rPr lang="en-US" sz="2200" b="0" i="0" u="none" strike="noStrike" baseline="0" dirty="0" err="1">
-                <a:solidFill>
-                  <a:srgbClr val="000000"/>
-                </a:solidFill>
-                <a:latin typeface="Times New Roman" panose="02020603050405020304" pitchFamily="18" charset="0"/>
-              </a:rPr>
-              <a:t>hạn</a:t>
-            </a:r>
-            <a:r>
-              <a:rPr lang="en-US" sz="2200" b="0" i="0" u="none" strike="noStrike" baseline="0" dirty="0">
-                <a:solidFill>
-                  <a:srgbClr val="000000"/>
-                </a:solidFill>
-                <a:latin typeface="Times New Roman" panose="02020603050405020304" pitchFamily="18" charset="0"/>
-              </a:rPr>
-              <a:t> </a:t>
-            </a:r>
-            <a:r>
-              <a:rPr lang="en-US" sz="2200" b="0" i="0" u="none" strike="noStrike" baseline="0" dirty="0" err="1">
-                <a:solidFill>
-                  <a:srgbClr val="000000"/>
-                </a:solidFill>
-                <a:latin typeface="Times New Roman" panose="02020603050405020304" pitchFamily="18" charset="0"/>
-              </a:rPr>
-              <a:t>chế</a:t>
-            </a:r>
-            <a:r>
-              <a:rPr lang="en-US" sz="2200" b="0" i="0" u="none" strike="noStrike" baseline="0" dirty="0">
-                <a:solidFill>
-                  <a:srgbClr val="000000"/>
-                </a:solidFill>
-                <a:latin typeface="Times New Roman" panose="02020603050405020304" pitchFamily="18" charset="0"/>
-              </a:rPr>
-              <a:t> </a:t>
-            </a:r>
-            <a:r>
-              <a:rPr lang="en-US" sz="2200" b="0" i="0" u="none" strike="noStrike" baseline="0" dirty="0" err="1">
-                <a:solidFill>
-                  <a:srgbClr val="000000"/>
-                </a:solidFill>
-                <a:latin typeface="Times New Roman" panose="02020603050405020304" pitchFamily="18" charset="0"/>
-              </a:rPr>
-              <a:t>của</a:t>
-            </a:r>
-            <a:r>
-              <a:rPr lang="en-US" sz="2200" b="0" i="0" u="none" strike="noStrike" baseline="0" dirty="0">
-                <a:solidFill>
-                  <a:srgbClr val="000000"/>
-                </a:solidFill>
-                <a:latin typeface="Times New Roman" panose="02020603050405020304" pitchFamily="18" charset="0"/>
-              </a:rPr>
-              <a:t> website: </a:t>
-            </a:r>
-            <a:r>
-              <a:rPr lang="en-US" sz="2200" b="0" i="0" u="none" strike="noStrike" baseline="0" dirty="0" err="1">
-                <a:solidFill>
-                  <a:srgbClr val="000000"/>
-                </a:solidFill>
-                <a:latin typeface="Times New Roman" panose="02020603050405020304" pitchFamily="18" charset="0"/>
-              </a:rPr>
-              <a:t>Tìm</a:t>
-            </a:r>
-            <a:r>
-              <a:rPr lang="en-US" sz="2200" b="0" i="0" u="none" strike="noStrike" baseline="0" dirty="0">
-                <a:solidFill>
-                  <a:srgbClr val="000000"/>
-                </a:solidFill>
-                <a:latin typeface="Times New Roman" panose="02020603050405020304" pitchFamily="18" charset="0"/>
-              </a:rPr>
-              <a:t> </a:t>
-            </a:r>
-            <a:r>
-              <a:rPr lang="en-US" sz="2200" b="0" i="0" u="none" strike="noStrike" baseline="0" dirty="0" err="1">
-                <a:solidFill>
-                  <a:srgbClr val="000000"/>
-                </a:solidFill>
-                <a:latin typeface="Times New Roman" panose="02020603050405020304" pitchFamily="18" charset="0"/>
-              </a:rPr>
-              <a:t>hiểu</a:t>
-            </a:r>
-            <a:r>
-              <a:rPr lang="en-US" sz="2200" b="0" i="0" u="none" strike="noStrike" baseline="0" dirty="0">
-                <a:solidFill>
-                  <a:srgbClr val="000000"/>
-                </a:solidFill>
-                <a:latin typeface="Times New Roman" panose="02020603050405020304" pitchFamily="18" charset="0"/>
-              </a:rPr>
-              <a:t> </a:t>
-            </a:r>
-            <a:r>
-              <a:rPr lang="en-US" sz="2200" b="0" i="0" u="none" strike="noStrike" baseline="0" dirty="0" err="1">
-                <a:solidFill>
-                  <a:srgbClr val="000000"/>
-                </a:solidFill>
-                <a:latin typeface="Times New Roman" panose="02020603050405020304" pitchFamily="18" charset="0"/>
-              </a:rPr>
-              <a:t>và</a:t>
-            </a:r>
-            <a:r>
-              <a:rPr lang="en-US" sz="2200" b="0" i="0" u="none" strike="noStrike" baseline="0" dirty="0">
-                <a:solidFill>
-                  <a:srgbClr val="000000"/>
-                </a:solidFill>
-                <a:latin typeface="Times New Roman" panose="02020603050405020304" pitchFamily="18" charset="0"/>
-              </a:rPr>
-              <a:t> </a:t>
-            </a:r>
-            <a:r>
-              <a:rPr lang="en-US" sz="2200" b="0" i="0" u="none" strike="noStrike" baseline="0" dirty="0" err="1">
-                <a:solidFill>
-                  <a:srgbClr val="000000"/>
-                </a:solidFill>
-                <a:latin typeface="Times New Roman" panose="02020603050405020304" pitchFamily="18" charset="0"/>
-              </a:rPr>
-              <a:t>cải</a:t>
-            </a:r>
-            <a:r>
-              <a:rPr lang="en-US" sz="2200" b="0" i="0" u="none" strike="noStrike" baseline="0" dirty="0">
-                <a:solidFill>
-                  <a:srgbClr val="000000"/>
-                </a:solidFill>
-                <a:latin typeface="Times New Roman" panose="02020603050405020304" pitchFamily="18" charset="0"/>
-              </a:rPr>
-              <a:t> </a:t>
-            </a:r>
-            <a:r>
-              <a:rPr lang="en-US" sz="2200" b="0" i="0" u="none" strike="noStrike" baseline="0" dirty="0" err="1">
-                <a:solidFill>
-                  <a:srgbClr val="000000"/>
-                </a:solidFill>
-                <a:latin typeface="Times New Roman" panose="02020603050405020304" pitchFamily="18" charset="0"/>
-              </a:rPr>
-              <a:t>thiện</a:t>
-            </a:r>
-            <a:r>
-              <a:rPr lang="en-US" sz="2200" b="0" i="0" u="none" strike="noStrike" baseline="0" dirty="0">
-                <a:solidFill>
-                  <a:srgbClr val="000000"/>
-                </a:solidFill>
-                <a:latin typeface="Times New Roman" panose="02020603050405020304" pitchFamily="18" charset="0"/>
-              </a:rPr>
-              <a:t> </a:t>
-            </a:r>
-            <a:r>
-              <a:rPr lang="en-US" sz="2200" b="0" i="0" u="none" strike="noStrike" baseline="0" dirty="0" err="1">
-                <a:solidFill>
-                  <a:srgbClr val="000000"/>
-                </a:solidFill>
-                <a:latin typeface="Times New Roman" panose="02020603050405020304" pitchFamily="18" charset="0"/>
-              </a:rPr>
-              <a:t>những</a:t>
-            </a:r>
-            <a:r>
-              <a:rPr lang="en-US" sz="2200" b="0" i="0" u="none" strike="noStrike" baseline="0" dirty="0">
-                <a:solidFill>
-                  <a:srgbClr val="000000"/>
-                </a:solidFill>
-                <a:latin typeface="Times New Roman" panose="02020603050405020304" pitchFamily="18" charset="0"/>
-              </a:rPr>
-              <a:t> </a:t>
-            </a:r>
-            <a:r>
-              <a:rPr lang="en-US" sz="2200" b="0" i="0" u="none" strike="noStrike" baseline="0" dirty="0" err="1">
-                <a:solidFill>
-                  <a:srgbClr val="000000"/>
-                </a:solidFill>
-                <a:latin typeface="Times New Roman" panose="02020603050405020304" pitchFamily="18" charset="0"/>
-              </a:rPr>
-              <a:t>khuyết</a:t>
-            </a:r>
-            <a:r>
-              <a:rPr lang="en-US" sz="2200" b="0" i="0" u="none" strike="noStrike" baseline="0" dirty="0">
-                <a:solidFill>
-                  <a:srgbClr val="000000"/>
-                </a:solidFill>
-                <a:latin typeface="Times New Roman" panose="02020603050405020304" pitchFamily="18" charset="0"/>
-              </a:rPr>
-              <a:t> </a:t>
-            </a:r>
+            <a:endParaRPr lang="en-US" sz="2200" b="0" i="0" u="none" strike="noStrike" baseline="0" dirty="0">
+              <a:solidFill>
+                <a:srgbClr val="000000"/>
+              </a:solidFill>
+              <a:latin typeface="Times New Roman" panose="02020603050405020304" pitchFamily="18" charset="0"/>
+            </a:endParaRPr>
           </a:p>
           <a:p>
             <a:r>
+              <a:rPr lang="en-US" sz="2200" b="0" i="0" u="none" strike="noStrike" baseline="0" dirty="0">
+                <a:solidFill>
+                  <a:srgbClr val="000000"/>
+                </a:solidFill>
+                <a:latin typeface="Times New Roman" panose="02020603050405020304" pitchFamily="18" charset="0"/>
+              </a:rPr>
+              <a:t>+ </a:t>
+            </a:r>
+            <a:r>
+              <a:rPr lang="en-US" sz="2200" b="0" i="0" u="none" strike="noStrike" baseline="0" dirty="0" err="1">
+                <a:solidFill>
+                  <a:srgbClr val="000000"/>
+                </a:solidFill>
+                <a:latin typeface="Times New Roman" panose="02020603050405020304" pitchFamily="18" charset="0"/>
+              </a:rPr>
+              <a:t>Cải</a:t>
+            </a:r>
+            <a:r>
+              <a:rPr lang="en-US" sz="2200" b="0" i="0" u="none" strike="noStrike" baseline="0" dirty="0">
+                <a:solidFill>
+                  <a:srgbClr val="000000"/>
+                </a:solidFill>
+                <a:latin typeface="Times New Roman" panose="02020603050405020304" pitchFamily="18" charset="0"/>
+              </a:rPr>
+              <a:t> </a:t>
+            </a:r>
+            <a:r>
+              <a:rPr lang="en-US" sz="2200" b="0" i="0" u="none" strike="noStrike" baseline="0" dirty="0" err="1">
+                <a:solidFill>
+                  <a:srgbClr val="000000"/>
+                </a:solidFill>
+                <a:latin typeface="Times New Roman" panose="02020603050405020304" pitchFamily="18" charset="0"/>
+              </a:rPr>
+              <a:t>thiện</a:t>
+            </a:r>
+            <a:r>
+              <a:rPr lang="en-US" sz="2200" b="0" i="0" u="none" strike="noStrike" baseline="0" dirty="0">
+                <a:solidFill>
+                  <a:srgbClr val="000000"/>
+                </a:solidFill>
+                <a:latin typeface="Times New Roman" panose="02020603050405020304" pitchFamily="18" charset="0"/>
+              </a:rPr>
+              <a:t> </a:t>
+            </a:r>
+            <a:r>
+              <a:rPr lang="en-US" sz="2200" b="0" i="0" u="none" strike="noStrike" baseline="0" dirty="0" err="1">
+                <a:solidFill>
+                  <a:srgbClr val="000000"/>
+                </a:solidFill>
+                <a:latin typeface="Times New Roman" panose="02020603050405020304" pitchFamily="18" charset="0"/>
+              </a:rPr>
+              <a:t>những</a:t>
+            </a:r>
+            <a:r>
+              <a:rPr lang="en-US" sz="2200" b="0" i="0" u="none" strike="noStrike" baseline="0" dirty="0">
+                <a:solidFill>
+                  <a:srgbClr val="000000"/>
+                </a:solidFill>
+                <a:latin typeface="Times New Roman" panose="02020603050405020304" pitchFamily="18" charset="0"/>
+              </a:rPr>
+              <a:t> </a:t>
+            </a:r>
+            <a:r>
+              <a:rPr lang="en-US" sz="2200" b="0" i="0" u="none" strike="noStrike" baseline="0" dirty="0" err="1">
+                <a:solidFill>
+                  <a:srgbClr val="000000"/>
+                </a:solidFill>
+                <a:latin typeface="Times New Roman" panose="02020603050405020304" pitchFamily="18" charset="0"/>
+              </a:rPr>
+              <a:t>hạn</a:t>
+            </a:r>
+            <a:r>
+              <a:rPr lang="en-US" sz="2200" b="0" i="0" u="none" strike="noStrike" baseline="0" dirty="0">
+                <a:solidFill>
+                  <a:srgbClr val="000000"/>
+                </a:solidFill>
+                <a:latin typeface="Times New Roman" panose="02020603050405020304" pitchFamily="18" charset="0"/>
+              </a:rPr>
+              <a:t> </a:t>
+            </a:r>
+            <a:r>
+              <a:rPr lang="en-US" sz="2200" b="0" i="0" u="none" strike="noStrike" baseline="0" dirty="0" err="1">
+                <a:solidFill>
+                  <a:srgbClr val="000000"/>
+                </a:solidFill>
+                <a:latin typeface="Times New Roman" panose="02020603050405020304" pitchFamily="18" charset="0"/>
+              </a:rPr>
+              <a:t>chế</a:t>
+            </a:r>
+            <a:r>
+              <a:rPr lang="en-US" sz="2200" b="0" i="0" u="none" strike="noStrike" baseline="0" dirty="0">
+                <a:solidFill>
+                  <a:srgbClr val="000000"/>
+                </a:solidFill>
+                <a:latin typeface="Times New Roman" panose="02020603050405020304" pitchFamily="18" charset="0"/>
+              </a:rPr>
+              <a:t> </a:t>
+            </a:r>
+            <a:r>
+              <a:rPr lang="en-US" sz="2200" b="0" i="0" u="none" strike="noStrike" baseline="0" dirty="0" err="1">
+                <a:solidFill>
+                  <a:srgbClr val="000000"/>
+                </a:solidFill>
+                <a:latin typeface="Times New Roman" panose="02020603050405020304" pitchFamily="18" charset="0"/>
+              </a:rPr>
+              <a:t>của</a:t>
+            </a:r>
+            <a:r>
+              <a:rPr lang="en-US" sz="2200" b="0" i="0" u="none" strike="noStrike" baseline="0" dirty="0">
+                <a:solidFill>
+                  <a:srgbClr val="000000"/>
+                </a:solidFill>
+                <a:latin typeface="Times New Roman" panose="02020603050405020304" pitchFamily="18" charset="0"/>
+              </a:rPr>
+              <a:t> website: </a:t>
+            </a:r>
+            <a:r>
+              <a:rPr lang="en-US" sz="2200" b="0" i="0" u="none" strike="noStrike" baseline="0" dirty="0" err="1">
+                <a:solidFill>
+                  <a:srgbClr val="000000"/>
+                </a:solidFill>
+                <a:latin typeface="Times New Roman" panose="02020603050405020304" pitchFamily="18" charset="0"/>
+              </a:rPr>
+              <a:t>Tìm</a:t>
+            </a:r>
+            <a:r>
+              <a:rPr lang="en-US" sz="2200" b="0" i="0" u="none" strike="noStrike" baseline="0" dirty="0">
+                <a:solidFill>
+                  <a:srgbClr val="000000"/>
+                </a:solidFill>
+                <a:latin typeface="Times New Roman" panose="02020603050405020304" pitchFamily="18" charset="0"/>
+              </a:rPr>
+              <a:t> </a:t>
+            </a:r>
+            <a:r>
+              <a:rPr lang="en-US" sz="2200" b="0" i="0" u="none" strike="noStrike" baseline="0" dirty="0" err="1">
+                <a:solidFill>
+                  <a:srgbClr val="000000"/>
+                </a:solidFill>
+                <a:latin typeface="Times New Roman" panose="02020603050405020304" pitchFamily="18" charset="0"/>
+              </a:rPr>
+              <a:t>hiểu</a:t>
+            </a:r>
+            <a:r>
+              <a:rPr lang="en-US" sz="2200" b="0" i="0" u="none" strike="noStrike" baseline="0" dirty="0">
+                <a:solidFill>
+                  <a:srgbClr val="000000"/>
+                </a:solidFill>
+                <a:latin typeface="Times New Roman" panose="02020603050405020304" pitchFamily="18" charset="0"/>
+              </a:rPr>
+              <a:t> </a:t>
+            </a:r>
+            <a:r>
+              <a:rPr lang="en-US" sz="2200" b="0" i="0" u="none" strike="noStrike" baseline="0" dirty="0" err="1">
+                <a:solidFill>
+                  <a:srgbClr val="000000"/>
+                </a:solidFill>
+                <a:latin typeface="Times New Roman" panose="02020603050405020304" pitchFamily="18" charset="0"/>
+              </a:rPr>
+              <a:t>và</a:t>
+            </a:r>
+            <a:r>
+              <a:rPr lang="en-US" sz="2200" b="0" i="0" u="none" strike="noStrike" baseline="0" dirty="0">
+                <a:solidFill>
+                  <a:srgbClr val="000000"/>
+                </a:solidFill>
+                <a:latin typeface="Times New Roman" panose="02020603050405020304" pitchFamily="18" charset="0"/>
+              </a:rPr>
+              <a:t> </a:t>
+            </a:r>
+            <a:r>
+              <a:rPr lang="en-US" sz="2200" b="0" i="0" u="none" strike="noStrike" baseline="0" dirty="0" err="1">
+                <a:solidFill>
+                  <a:srgbClr val="000000"/>
+                </a:solidFill>
+                <a:latin typeface="Times New Roman" panose="02020603050405020304" pitchFamily="18" charset="0"/>
+              </a:rPr>
+              <a:t>cải</a:t>
+            </a:r>
+            <a:r>
+              <a:rPr lang="en-US" sz="2200" b="0" i="0" u="none" strike="noStrike" baseline="0" dirty="0">
+                <a:solidFill>
+                  <a:srgbClr val="000000"/>
+                </a:solidFill>
+                <a:latin typeface="Times New Roman" panose="02020603050405020304" pitchFamily="18" charset="0"/>
+              </a:rPr>
+              <a:t> </a:t>
+            </a:r>
+            <a:r>
+              <a:rPr lang="en-US" sz="2200" b="0" i="0" u="none" strike="noStrike" baseline="0" dirty="0" err="1">
+                <a:solidFill>
+                  <a:srgbClr val="000000"/>
+                </a:solidFill>
+                <a:latin typeface="Times New Roman" panose="02020603050405020304" pitchFamily="18" charset="0"/>
+              </a:rPr>
+              <a:t>thiện</a:t>
+            </a:r>
+            <a:r>
+              <a:rPr lang="en-US" sz="2200" b="0" i="0" u="none" strike="noStrike" baseline="0" dirty="0">
+                <a:solidFill>
+                  <a:srgbClr val="000000"/>
+                </a:solidFill>
+                <a:latin typeface="Times New Roman" panose="02020603050405020304" pitchFamily="18" charset="0"/>
+              </a:rPr>
+              <a:t> </a:t>
+            </a:r>
+            <a:r>
+              <a:rPr lang="en-US" sz="2200" b="0" i="0" u="none" strike="noStrike" baseline="0" dirty="0" err="1">
+                <a:solidFill>
+                  <a:srgbClr val="000000"/>
+                </a:solidFill>
+                <a:latin typeface="Times New Roman" panose="02020603050405020304" pitchFamily="18" charset="0"/>
+              </a:rPr>
+              <a:t>những</a:t>
+            </a:r>
+            <a:r>
+              <a:rPr lang="en-US" sz="2200" b="0" i="0" u="none" strike="noStrike" baseline="0" dirty="0">
+                <a:solidFill>
+                  <a:srgbClr val="000000"/>
+                </a:solidFill>
+                <a:latin typeface="Times New Roman" panose="02020603050405020304" pitchFamily="18" charset="0"/>
+              </a:rPr>
+              <a:t> </a:t>
+            </a:r>
+            <a:r>
+              <a:rPr lang="en-US" sz="2200" b="0" i="0" u="none" strike="noStrike" baseline="0" dirty="0" err="1">
+                <a:solidFill>
+                  <a:srgbClr val="000000"/>
+                </a:solidFill>
+                <a:latin typeface="Times New Roman" panose="02020603050405020304" pitchFamily="18" charset="0"/>
+              </a:rPr>
+              <a:t>khuyết</a:t>
+            </a:r>
+            <a:r>
+              <a:rPr lang="en-US" sz="2200" b="0" i="0" u="none" strike="noStrike" baseline="0" dirty="0">
+                <a:solidFill>
+                  <a:srgbClr val="000000"/>
+                </a:solidFill>
+                <a:latin typeface="Times New Roman" panose="02020603050405020304" pitchFamily="18" charset="0"/>
+              </a:rPr>
+              <a:t> </a:t>
+            </a:r>
+            <a:r>
               <a:rPr lang="en-US" sz="2200" b="0" i="0" u="none" strike="noStrike" baseline="0" dirty="0" err="1">
                 <a:solidFill>
                   <a:srgbClr val="000000"/>
@@ -7830,17 +10625,32 @@
             </a:r>
           </a:p>
           <a:p>
-            <a:r>
-              <a:rPr lang="vi-VN" sz="2200" b="0" i="0" u="none" strike="noStrike" baseline="0" dirty="0">
-                <a:solidFill>
-                  <a:srgbClr val="000000"/>
-                </a:solidFill>
-                <a:latin typeface="Times New Roman" panose="02020603050405020304" pitchFamily="18" charset="0"/>
-              </a:rPr>
-              <a:t>+ Học hỏi và tìm hiểu: tăng cường sự hiểu biết của bản thân từ việc học thêm </a:t>
-            </a:r>
+            <a:endParaRPr lang="en-US" sz="2200" b="0" i="0" u="none" strike="noStrike" baseline="0" dirty="0">
+              <a:solidFill>
+                <a:srgbClr val="000000"/>
+              </a:solidFill>
+              <a:latin typeface="Times New Roman" panose="02020603050405020304" pitchFamily="18" charset="0"/>
+            </a:endParaRPr>
           </a:p>
           <a:p>
+            <a:r>
+              <a:rPr lang="vi-VN" sz="2200" b="0" i="0" u="none" strike="noStrike" baseline="0" dirty="0">
+                <a:solidFill>
+                  <a:srgbClr val="000000"/>
+                </a:solidFill>
+                <a:latin typeface="Times New Roman" panose="02020603050405020304" pitchFamily="18" charset="0"/>
+              </a:rPr>
+              <a:t>+ Học hỏi và tìm hiểu: tăng cường sự hiểu biết của bản thân từ việc học thêm </a:t>
+            </a:r>
+            <a:r>
+              <a:rPr lang="en-US" sz="2200" b="0" i="0" u="none" strike="noStrike" baseline="0" dirty="0">
+                <a:solidFill>
+                  <a:srgbClr val="000000"/>
+                </a:solidFill>
+                <a:latin typeface="Times New Roman" panose="02020603050405020304" pitchFamily="18" charset="0"/>
+              </a:rPr>
+              <a:t> </a:t>
+            </a:r>
             <a:r>
               <a:rPr lang="en-US" sz="2200" b="0" i="0" u="none" strike="noStrike" baseline="0" dirty="0" err="1">
                 <a:solidFill>
@@ -8500,7 +11310,7 @@
 </p:sld>
 </file>
 
-<file path=ppt/slides/slide12.xml><?xml version="1.0" encoding="utf-8"?>
+<file path=ppt/slides/slide15.xml><?xml version="1.0" encoding="utf-8"?>
 <p:sld xmlns:a="http://schemas.openxmlformats.org/drawingml/2006/main" xmlns:r="http://schemas.openxmlformats.org/officeDocument/2006/relationships" xmlns:p="http://schemas.openxmlformats.org/presentationml/2006/main">
   <p:cSld>
     <p:bg>
@@ -9751,7 +12561,7 @@
 </p:sld>
 </file>
 
-<file path=ppt/slides/slide13.xml><?xml version="1.0" encoding="utf-8"?>
+<file path=ppt/slides/slide16.xml><?xml version="1.0" encoding="utf-8"?>
 <p:sld xmlns:a="http://schemas.openxmlformats.org/drawingml/2006/main" xmlns:r="http://schemas.openxmlformats.org/officeDocument/2006/relationships" xmlns:p="http://schemas.openxmlformats.org/presentationml/2006/main">
   <p:cSld>
     <p:spTree>
